--- a/pptx/7-5-2023.pptx
+++ b/pptx/7-5-2023.pptx
@@ -4,6 +4,9 @@
   <p:sldMasterIdLst>
     <p:sldMasterId id="2147483648" r:id="rId1"/>
   </p:sldMasterIdLst>
+  <p:notesMasterIdLst>
+    <p:notesMasterId r:id="rId15"/>
+  </p:notesMasterIdLst>
   <p:sldIdLst>
     <p:sldId id="256" r:id="rId2"/>
     <p:sldId id="265" r:id="rId3"/>
@@ -15,8 +18,9 @@
     <p:sldId id="268" r:id="rId9"/>
     <p:sldId id="270" r:id="rId10"/>
     <p:sldId id="271" r:id="rId11"/>
-    <p:sldId id="272" r:id="rId12"/>
-    <p:sldId id="269" r:id="rId13"/>
+    <p:sldId id="273" r:id="rId12"/>
+    <p:sldId id="272" r:id="rId13"/>
+    <p:sldId id="269" r:id="rId14"/>
   </p:sldIdLst>
   <p:sldSz cx="12192000" cy="6858000"/>
   <p:notesSz cx="6858000" cy="9144000"/>
@@ -121,6 +125,439 @@
     </p:ext>
   </p:extLst>
 </p:presentation>
+</file>
+
+<file path=ppt/notesMasters/notesMaster1.xml><?xml version="1.0" encoding="utf-8"?>
+<p:notesMaster xmlns:a="http://schemas.openxmlformats.org/drawingml/2006/main" xmlns:r="http://schemas.openxmlformats.org/officeDocument/2006/relationships" xmlns:p="http://schemas.openxmlformats.org/presentationml/2006/main">
+  <p:cSld>
+    <p:bg>
+      <p:bgRef idx="1001">
+        <a:schemeClr val="bg1"/>
+      </p:bgRef>
+    </p:bg>
+    <p:spTree>
+      <p:nvGrpSpPr>
+        <p:cNvPr id="1" name=""/>
+        <p:cNvGrpSpPr/>
+        <p:nvPr/>
+      </p:nvGrpSpPr>
+      <p:grpSpPr>
+        <a:xfrm>
+          <a:off x="0" y="0"/>
+          <a:ext cx="0" cy="0"/>
+          <a:chOff x="0" y="0"/>
+          <a:chExt cx="0" cy="0"/>
+        </a:xfrm>
+      </p:grpSpPr>
+      <p:sp>
+        <p:nvSpPr>
+          <p:cNvPr id="2" name="Header Placeholder 1"/>
+          <p:cNvSpPr>
+            <a:spLocks noGrp="1"/>
+          </p:cNvSpPr>
+          <p:nvPr>
+            <p:ph type="hdr" sz="quarter"/>
+          </p:nvPr>
+        </p:nvSpPr>
+        <p:spPr>
+          <a:xfrm>
+            <a:off x="0" y="0"/>
+            <a:ext cx="2971800" cy="458788"/>
+          </a:xfrm>
+          <a:prstGeom prst="rect">
+            <a:avLst/>
+          </a:prstGeom>
+        </p:spPr>
+        <p:txBody>
+          <a:bodyPr vert="horz" lIns="91440" tIns="45720" rIns="91440" bIns="45720" rtlCol="0"/>
+          <a:lstStyle>
+            <a:lvl1pPr algn="l">
+              <a:defRPr sz="1200"/>
+            </a:lvl1pPr>
+          </a:lstStyle>
+          <a:p>
+            <a:endParaRPr lang="en-US"/>
+          </a:p>
+        </p:txBody>
+      </p:sp>
+      <p:sp>
+        <p:nvSpPr>
+          <p:cNvPr id="3" name="Date Placeholder 2"/>
+          <p:cNvSpPr>
+            <a:spLocks noGrp="1"/>
+          </p:cNvSpPr>
+          <p:nvPr>
+            <p:ph type="dt" idx="1"/>
+          </p:nvPr>
+        </p:nvSpPr>
+        <p:spPr>
+          <a:xfrm>
+            <a:off x="3884613" y="0"/>
+            <a:ext cx="2971800" cy="458788"/>
+          </a:xfrm>
+          <a:prstGeom prst="rect">
+            <a:avLst/>
+          </a:prstGeom>
+        </p:spPr>
+        <p:txBody>
+          <a:bodyPr vert="horz" lIns="91440" tIns="45720" rIns="91440" bIns="45720" rtlCol="0"/>
+          <a:lstStyle>
+            <a:lvl1pPr algn="r">
+              <a:defRPr sz="1200"/>
+            </a:lvl1pPr>
+          </a:lstStyle>
+          <a:p>
+            <a:fld id="{647C973C-33AF-E046-9208-888D9001E06F}" type="datetimeFigureOut">
+              <a:rPr lang="en-US" smtClean="0"/>
+              <a:t>7/5/23</a:t>
+            </a:fld>
+            <a:endParaRPr lang="en-US"/>
+          </a:p>
+        </p:txBody>
+      </p:sp>
+      <p:sp>
+        <p:nvSpPr>
+          <p:cNvPr id="4" name="Slide Image Placeholder 3"/>
+          <p:cNvSpPr>
+            <a:spLocks noGrp="1" noRot="1" noChangeAspect="1"/>
+          </p:cNvSpPr>
+          <p:nvPr>
+            <p:ph type="sldImg" idx="2"/>
+          </p:nvPr>
+        </p:nvSpPr>
+        <p:spPr>
+          <a:xfrm>
+            <a:off x="685800" y="1143000"/>
+            <a:ext cx="5486400" cy="3086100"/>
+          </a:xfrm>
+          <a:prstGeom prst="rect">
+            <a:avLst/>
+          </a:prstGeom>
+          <a:noFill/>
+          <a:ln w="12700">
+            <a:solidFill>
+              <a:prstClr val="black"/>
+            </a:solidFill>
+          </a:ln>
+        </p:spPr>
+        <p:txBody>
+          <a:bodyPr vert="horz" lIns="91440" tIns="45720" rIns="91440" bIns="45720" rtlCol="0" anchor="ctr"/>
+          <a:lstStyle/>
+          <a:p>
+            <a:endParaRPr lang="en-US"/>
+          </a:p>
+        </p:txBody>
+      </p:sp>
+      <p:sp>
+        <p:nvSpPr>
+          <p:cNvPr id="5" name="Notes Placeholder 4"/>
+          <p:cNvSpPr>
+            <a:spLocks noGrp="1"/>
+          </p:cNvSpPr>
+          <p:nvPr>
+            <p:ph type="body" sz="quarter" idx="3"/>
+          </p:nvPr>
+        </p:nvSpPr>
+        <p:spPr>
+          <a:xfrm>
+            <a:off x="685800" y="4400550"/>
+            <a:ext cx="5486400" cy="3600450"/>
+          </a:xfrm>
+          <a:prstGeom prst="rect">
+            <a:avLst/>
+          </a:prstGeom>
+        </p:spPr>
+        <p:txBody>
+          <a:bodyPr vert="horz" lIns="91440" tIns="45720" rIns="91440" bIns="45720" rtlCol="0"/>
+          <a:lstStyle/>
+          <a:p>
+            <a:pPr lvl="0"/>
+            <a:r>
+              <a:rPr lang="en-US"/>
+              <a:t>Click to edit Master text styles</a:t>
+            </a:r>
+          </a:p>
+          <a:p>
+            <a:pPr lvl="1"/>
+            <a:r>
+              <a:rPr lang="en-US"/>
+              <a:t>Second level</a:t>
+            </a:r>
+          </a:p>
+          <a:p>
+            <a:pPr lvl="2"/>
+            <a:r>
+              <a:rPr lang="en-US"/>
+              <a:t>Third level</a:t>
+            </a:r>
+          </a:p>
+          <a:p>
+            <a:pPr lvl="3"/>
+            <a:r>
+              <a:rPr lang="en-US"/>
+              <a:t>Fourth level</a:t>
+            </a:r>
+          </a:p>
+          <a:p>
+            <a:pPr lvl="4"/>
+            <a:r>
+              <a:rPr lang="en-US"/>
+              <a:t>Fifth level</a:t>
+            </a:r>
+          </a:p>
+        </p:txBody>
+      </p:sp>
+      <p:sp>
+        <p:nvSpPr>
+          <p:cNvPr id="6" name="Footer Placeholder 5"/>
+          <p:cNvSpPr>
+            <a:spLocks noGrp="1"/>
+          </p:cNvSpPr>
+          <p:nvPr>
+            <p:ph type="ftr" sz="quarter" idx="4"/>
+          </p:nvPr>
+        </p:nvSpPr>
+        <p:spPr>
+          <a:xfrm>
+            <a:off x="0" y="8685213"/>
+            <a:ext cx="2971800" cy="458787"/>
+          </a:xfrm>
+          <a:prstGeom prst="rect">
+            <a:avLst/>
+          </a:prstGeom>
+        </p:spPr>
+        <p:txBody>
+          <a:bodyPr vert="horz" lIns="91440" tIns="45720" rIns="91440" bIns="45720" rtlCol="0" anchor="b"/>
+          <a:lstStyle>
+            <a:lvl1pPr algn="l">
+              <a:defRPr sz="1200"/>
+            </a:lvl1pPr>
+          </a:lstStyle>
+          <a:p>
+            <a:endParaRPr lang="en-US"/>
+          </a:p>
+        </p:txBody>
+      </p:sp>
+      <p:sp>
+        <p:nvSpPr>
+          <p:cNvPr id="7" name="Slide Number Placeholder 6"/>
+          <p:cNvSpPr>
+            <a:spLocks noGrp="1"/>
+          </p:cNvSpPr>
+          <p:nvPr>
+            <p:ph type="sldNum" sz="quarter" idx="5"/>
+          </p:nvPr>
+        </p:nvSpPr>
+        <p:spPr>
+          <a:xfrm>
+            <a:off x="3884613" y="8685213"/>
+            <a:ext cx="2971800" cy="458787"/>
+          </a:xfrm>
+          <a:prstGeom prst="rect">
+            <a:avLst/>
+          </a:prstGeom>
+        </p:spPr>
+        <p:txBody>
+          <a:bodyPr vert="horz" lIns="91440" tIns="45720" rIns="91440" bIns="45720" rtlCol="0" anchor="b"/>
+          <a:lstStyle>
+            <a:lvl1pPr algn="r">
+              <a:defRPr sz="1200"/>
+            </a:lvl1pPr>
+          </a:lstStyle>
+          <a:p>
+            <a:fld id="{05A2E8AE-64F3-CF41-A2B3-C2B3368D2370}" type="slidenum">
+              <a:rPr lang="en-US" smtClean="0"/>
+              <a:t>‹#›</a:t>
+            </a:fld>
+            <a:endParaRPr lang="en-US"/>
+          </a:p>
+        </p:txBody>
+      </p:sp>
+    </p:spTree>
+    <p:extLst>
+      <p:ext uri="{BB962C8B-B14F-4D97-AF65-F5344CB8AC3E}">
+        <p14:creationId xmlns:p14="http://schemas.microsoft.com/office/powerpoint/2010/main" val="2140059601"/>
+      </p:ext>
+    </p:extLst>
+  </p:cSld>
+  <p:clrMap bg1="lt1" tx1="dk1" bg2="lt2" tx2="dk2" accent1="accent1" accent2="accent2" accent3="accent3" accent4="accent4" accent5="accent5" accent6="accent6" hlink="hlink" folHlink="folHlink"/>
+  <p:notesStyle>
+    <a:lvl1pPr marL="0" algn="l" defTabSz="914400" rtl="0" eaLnBrk="1" latinLnBrk="0" hangingPunct="1">
+      <a:defRPr sz="1200" kern="1200">
+        <a:solidFill>
+          <a:schemeClr val="tx1"/>
+        </a:solidFill>
+        <a:latin typeface="+mn-lt"/>
+        <a:ea typeface="+mn-ea"/>
+        <a:cs typeface="+mn-cs"/>
+      </a:defRPr>
+    </a:lvl1pPr>
+    <a:lvl2pPr marL="457200" algn="l" defTabSz="914400" rtl="0" eaLnBrk="1" latinLnBrk="0" hangingPunct="1">
+      <a:defRPr sz="1200" kern="1200">
+        <a:solidFill>
+          <a:schemeClr val="tx1"/>
+        </a:solidFill>
+        <a:latin typeface="+mn-lt"/>
+        <a:ea typeface="+mn-ea"/>
+        <a:cs typeface="+mn-cs"/>
+      </a:defRPr>
+    </a:lvl2pPr>
+    <a:lvl3pPr marL="914400" algn="l" defTabSz="914400" rtl="0" eaLnBrk="1" latinLnBrk="0" hangingPunct="1">
+      <a:defRPr sz="1200" kern="1200">
+        <a:solidFill>
+          <a:schemeClr val="tx1"/>
+        </a:solidFill>
+        <a:latin typeface="+mn-lt"/>
+        <a:ea typeface="+mn-ea"/>
+        <a:cs typeface="+mn-cs"/>
+      </a:defRPr>
+    </a:lvl3pPr>
+    <a:lvl4pPr marL="1371600" algn="l" defTabSz="914400" rtl="0" eaLnBrk="1" latinLnBrk="0" hangingPunct="1">
+      <a:defRPr sz="1200" kern="1200">
+        <a:solidFill>
+          <a:schemeClr val="tx1"/>
+        </a:solidFill>
+        <a:latin typeface="+mn-lt"/>
+        <a:ea typeface="+mn-ea"/>
+        <a:cs typeface="+mn-cs"/>
+      </a:defRPr>
+    </a:lvl4pPr>
+    <a:lvl5pPr marL="1828800" algn="l" defTabSz="914400" rtl="0" eaLnBrk="1" latinLnBrk="0" hangingPunct="1">
+      <a:defRPr sz="1200" kern="1200">
+        <a:solidFill>
+          <a:schemeClr val="tx1"/>
+        </a:solidFill>
+        <a:latin typeface="+mn-lt"/>
+        <a:ea typeface="+mn-ea"/>
+        <a:cs typeface="+mn-cs"/>
+      </a:defRPr>
+    </a:lvl5pPr>
+    <a:lvl6pPr marL="2286000" algn="l" defTabSz="914400" rtl="0" eaLnBrk="1" latinLnBrk="0" hangingPunct="1">
+      <a:defRPr sz="1200" kern="1200">
+        <a:solidFill>
+          <a:schemeClr val="tx1"/>
+        </a:solidFill>
+        <a:latin typeface="+mn-lt"/>
+        <a:ea typeface="+mn-ea"/>
+        <a:cs typeface="+mn-cs"/>
+      </a:defRPr>
+    </a:lvl6pPr>
+    <a:lvl7pPr marL="2743200" algn="l" defTabSz="914400" rtl="0" eaLnBrk="1" latinLnBrk="0" hangingPunct="1">
+      <a:defRPr sz="1200" kern="1200">
+        <a:solidFill>
+          <a:schemeClr val="tx1"/>
+        </a:solidFill>
+        <a:latin typeface="+mn-lt"/>
+        <a:ea typeface="+mn-ea"/>
+        <a:cs typeface="+mn-cs"/>
+      </a:defRPr>
+    </a:lvl7pPr>
+    <a:lvl8pPr marL="3200400" algn="l" defTabSz="914400" rtl="0" eaLnBrk="1" latinLnBrk="0" hangingPunct="1">
+      <a:defRPr sz="1200" kern="1200">
+        <a:solidFill>
+          <a:schemeClr val="tx1"/>
+        </a:solidFill>
+        <a:latin typeface="+mn-lt"/>
+        <a:ea typeface="+mn-ea"/>
+        <a:cs typeface="+mn-cs"/>
+      </a:defRPr>
+    </a:lvl8pPr>
+    <a:lvl9pPr marL="3657600" algn="l" defTabSz="914400" rtl="0" eaLnBrk="1" latinLnBrk="0" hangingPunct="1">
+      <a:defRPr sz="1200" kern="1200">
+        <a:solidFill>
+          <a:schemeClr val="tx1"/>
+        </a:solidFill>
+        <a:latin typeface="+mn-lt"/>
+        <a:ea typeface="+mn-ea"/>
+        <a:cs typeface="+mn-cs"/>
+      </a:defRPr>
+    </a:lvl9pPr>
+  </p:notesStyle>
+</p:notesMaster>
+</file>
+
+<file path=ppt/notesSlides/notesSlide1.xml><?xml version="1.0" encoding="utf-8"?>
+<p:notes xmlns:a="http://schemas.openxmlformats.org/drawingml/2006/main" xmlns:r="http://schemas.openxmlformats.org/officeDocument/2006/relationships" xmlns:p="http://schemas.openxmlformats.org/presentationml/2006/main">
+  <p:cSld>
+    <p:spTree>
+      <p:nvGrpSpPr>
+        <p:cNvPr id="1" name=""/>
+        <p:cNvGrpSpPr/>
+        <p:nvPr/>
+      </p:nvGrpSpPr>
+      <p:grpSpPr>
+        <a:xfrm>
+          <a:off x="0" y="0"/>
+          <a:ext cx="0" cy="0"/>
+          <a:chOff x="0" y="0"/>
+          <a:chExt cx="0" cy="0"/>
+        </a:xfrm>
+      </p:grpSpPr>
+      <p:sp>
+        <p:nvSpPr>
+          <p:cNvPr id="2" name="Slide Image Placeholder 1"/>
+          <p:cNvSpPr>
+            <a:spLocks noGrp="1" noRot="1" noChangeAspect="1"/>
+          </p:cNvSpPr>
+          <p:nvPr>
+            <p:ph type="sldImg"/>
+          </p:nvPr>
+        </p:nvSpPr>
+        <p:spPr/>
+      </p:sp>
+      <p:sp>
+        <p:nvSpPr>
+          <p:cNvPr id="3" name="Notes Placeholder 2"/>
+          <p:cNvSpPr>
+            <a:spLocks noGrp="1"/>
+          </p:cNvSpPr>
+          <p:nvPr>
+            <p:ph type="body" idx="1"/>
+          </p:nvPr>
+        </p:nvSpPr>
+        <p:spPr/>
+        <p:txBody>
+          <a:bodyPr/>
+          <a:lstStyle/>
+          <a:p>
+            <a:endParaRPr lang="en-US" dirty="0"/>
+          </a:p>
+        </p:txBody>
+      </p:sp>
+      <p:sp>
+        <p:nvSpPr>
+          <p:cNvPr id="4" name="Slide Number Placeholder 3"/>
+          <p:cNvSpPr>
+            <a:spLocks noGrp="1"/>
+          </p:cNvSpPr>
+          <p:nvPr>
+            <p:ph type="sldNum" sz="quarter" idx="5"/>
+          </p:nvPr>
+        </p:nvSpPr>
+        <p:spPr/>
+        <p:txBody>
+          <a:bodyPr/>
+          <a:lstStyle/>
+          <a:p>
+            <a:fld id="{05A2E8AE-64F3-CF41-A2B3-C2B3368D2370}" type="slidenum">
+              <a:rPr lang="en-US" smtClean="0"/>
+              <a:t>11</a:t>
+            </a:fld>
+            <a:endParaRPr lang="en-US"/>
+          </a:p>
+        </p:txBody>
+      </p:sp>
+    </p:spTree>
+    <p:extLst>
+      <p:ext uri="{BB962C8B-B14F-4D97-AF65-F5344CB8AC3E}">
+        <p14:creationId xmlns:p14="http://schemas.microsoft.com/office/powerpoint/2010/main" val="1398711597"/>
+      </p:ext>
+    </p:extLst>
+  </p:cSld>
+  <p:clrMapOvr>
+    <a:masterClrMapping/>
+  </p:clrMapOvr>
+</p:notes>
 </file>
 
 <file path=ppt/slideLayouts/slideLayout1.xml><?xml version="1.0" encoding="utf-8"?>
@@ -3534,7 +3971,7 @@
           <p:cNvPr id="2" name="Title 1">
             <a:extLst>
               <a:ext uri="{FF2B5EF4-FFF2-40B4-BE49-F238E27FC236}">
-                <a16:creationId xmlns:a16="http://schemas.microsoft.com/office/drawing/2014/main" id="{02ACD840-50E0-0C96-3CD6-518F49E92D5E}"/>
+                <a16:creationId xmlns:a16="http://schemas.microsoft.com/office/drawing/2014/main" id="{9933F387-1FE2-F6FF-8B5C-C63DFF222E9E}"/>
               </a:ext>
             </a:extLst>
           </p:cNvPr>
@@ -3552,7 +3989,7 @@
           <a:p>
             <a:r>
               <a:rPr lang="en-US" dirty="0"/>
-              <a:t>Prompt</a:t>
+              <a:t>Prompts</a:t>
             </a:r>
           </a:p>
         </p:txBody>
@@ -3562,21 +3999,21 @@
           <p:cNvPr id="3" name="Content Placeholder 2">
             <a:extLst>
               <a:ext uri="{FF2B5EF4-FFF2-40B4-BE49-F238E27FC236}">
-                <a16:creationId xmlns:a16="http://schemas.microsoft.com/office/drawing/2014/main" id="{B079586A-F43C-2BDF-EF4C-039B822052BE}"/>
-              </a:ext>
-            </a:extLst>
-          </p:cNvPr>
-          <p:cNvSpPr>
-            <a:spLocks noGrp="1"/>
-          </p:cNvSpPr>
-          <p:nvPr>
-            <p:ph idx="1"/>
+                <a16:creationId xmlns:a16="http://schemas.microsoft.com/office/drawing/2014/main" id="{BC2C7DB1-7F5F-F3ED-4E4B-0B077B7E3C61}"/>
+              </a:ext>
+            </a:extLst>
+          </p:cNvPr>
+          <p:cNvSpPr>
+            <a:spLocks noGrp="1"/>
+          </p:cNvSpPr>
+          <p:nvPr>
+            <p:ph sz="half" idx="1"/>
           </p:nvPr>
         </p:nvSpPr>
         <p:spPr/>
         <p:txBody>
           <a:bodyPr>
-            <a:normAutofit fontScale="92500" lnSpcReduction="20000"/>
+            <a:noAutofit/>
           </a:bodyPr>
           <a:lstStyle/>
           <a:p>
@@ -3584,7 +4021,7 @@
               <a:buNone/>
             </a:pPr>
             <a:r>
-              <a:rPr lang="en-US" sz="1600" dirty="0">
+              <a:rPr lang="en-US" sz="1100" dirty="0">
                 <a:latin typeface="Menlo" panose="020B0609030804020204" pitchFamily="49" charset="0"/>
                 <a:ea typeface="Menlo" panose="020B0609030804020204" pitchFamily="49" charset="0"/>
                 <a:cs typeface="Menlo" panose="020B0609030804020204" pitchFamily="49" charset="0"/>
@@ -3597,7 +4034,7 @@
               <a:buNone/>
             </a:pPr>
             <a:r>
-              <a:rPr lang="en-US" sz="1600" dirty="0">
+              <a:rPr lang="en-US" sz="1100" dirty="0">
                 <a:latin typeface="Menlo" panose="020B0609030804020204" pitchFamily="49" charset="0"/>
                 <a:ea typeface="Menlo" panose="020B0609030804020204" pitchFamily="49" charset="0"/>
                 <a:cs typeface="Menlo" panose="020B0609030804020204" pitchFamily="49" charset="0"/>
@@ -3610,7 +4047,7 @@
               <a:buNone/>
             </a:pPr>
             <a:r>
-              <a:rPr lang="en-US" sz="1600" dirty="0">
+              <a:rPr lang="en-US" sz="1100" dirty="0">
                 <a:latin typeface="Menlo" panose="020B0609030804020204" pitchFamily="49" charset="0"/>
                 <a:ea typeface="Menlo" panose="020B0609030804020204" pitchFamily="49" charset="0"/>
                 <a:cs typeface="Menlo" panose="020B0609030804020204" pitchFamily="49" charset="0"/>
@@ -3623,7 +4060,7 @@
               <a:buNone/>
             </a:pPr>
             <a:r>
-              <a:rPr lang="en-US" sz="1600" dirty="0">
+              <a:rPr lang="en-US" sz="1100" dirty="0">
                 <a:latin typeface="Menlo" panose="020B0609030804020204" pitchFamily="49" charset="0"/>
                 <a:ea typeface="Menlo" panose="020B0609030804020204" pitchFamily="49" charset="0"/>
                 <a:cs typeface="Menlo" panose="020B0609030804020204" pitchFamily="49" charset="0"/>
@@ -3636,7 +4073,7 @@
               <a:buNone/>
             </a:pPr>
             <a:r>
-              <a:rPr lang="en-US" sz="1600" dirty="0">
+              <a:rPr lang="en-US" sz="1100" dirty="0">
                 <a:latin typeface="Menlo" panose="020B0609030804020204" pitchFamily="49" charset="0"/>
                 <a:ea typeface="Menlo" panose="020B0609030804020204" pitchFamily="49" charset="0"/>
                 <a:cs typeface="Menlo" panose="020B0609030804020204" pitchFamily="49" charset="0"/>
@@ -3649,7 +4086,7 @@
               <a:buNone/>
             </a:pPr>
             <a:r>
-              <a:rPr lang="en-US" sz="1600" dirty="0">
+              <a:rPr lang="en-US" sz="1100" dirty="0">
                 <a:latin typeface="Menlo" panose="020B0609030804020204" pitchFamily="49" charset="0"/>
                 <a:ea typeface="Menlo" panose="020B0609030804020204" pitchFamily="49" charset="0"/>
                 <a:cs typeface="Menlo" panose="020B0609030804020204" pitchFamily="49" charset="0"/>
@@ -3661,18 +4098,8 @@
             <a:pPr marL="0" indent="0">
               <a:buNone/>
             </a:pPr>
-            <a:endParaRPr lang="en-US" sz="1600" dirty="0">
-              <a:latin typeface="Menlo" panose="020B0609030804020204" pitchFamily="49" charset="0"/>
-              <a:ea typeface="Menlo" panose="020B0609030804020204" pitchFamily="49" charset="0"/>
-              <a:cs typeface="Menlo" panose="020B0609030804020204" pitchFamily="49" charset="0"/>
-            </a:endParaRPr>
-          </a:p>
-          <a:p>
-            <a:pPr marL="0" indent="0">
-              <a:buNone/>
-            </a:pPr>
-            <a:r>
-              <a:rPr lang="en-US" sz="1600" dirty="0">
+            <a:r>
+              <a:rPr lang="en-US" sz="1100" dirty="0">
                 <a:latin typeface="Menlo" panose="020B0609030804020204" pitchFamily="49" charset="0"/>
                 <a:ea typeface="Menlo" panose="020B0609030804020204" pitchFamily="49" charset="0"/>
                 <a:cs typeface="Menlo" panose="020B0609030804020204" pitchFamily="49" charset="0"/>
@@ -3685,7 +4112,7 @@
               <a:buNone/>
             </a:pPr>
             <a:r>
-              <a:rPr lang="en-US" sz="1600" dirty="0">
+              <a:rPr lang="en-US" sz="1100" dirty="0">
                 <a:latin typeface="Menlo" panose="020B0609030804020204" pitchFamily="49" charset="0"/>
                 <a:ea typeface="Menlo" panose="020B0609030804020204" pitchFamily="49" charset="0"/>
                 <a:cs typeface="Menlo" panose="020B0609030804020204" pitchFamily="49" charset="0"/>
@@ -3698,7 +4125,7 @@
               <a:buNone/>
             </a:pPr>
             <a:r>
-              <a:rPr lang="en-US" sz="1600" dirty="0">
+              <a:rPr lang="en-US" sz="1100" dirty="0">
                 <a:latin typeface="Menlo" panose="020B0609030804020204" pitchFamily="49" charset="0"/>
                 <a:ea typeface="Menlo" panose="020B0609030804020204" pitchFamily="49" charset="0"/>
                 <a:cs typeface="Menlo" panose="020B0609030804020204" pitchFamily="49" charset="0"/>
@@ -3711,7 +4138,7 @@
               <a:buNone/>
             </a:pPr>
             <a:r>
-              <a:rPr lang="en-US" sz="1600" dirty="0">
+              <a:rPr lang="en-US" sz="1100" dirty="0">
                 <a:latin typeface="Menlo" panose="020B0609030804020204" pitchFamily="49" charset="0"/>
                 <a:ea typeface="Menlo" panose="020B0609030804020204" pitchFamily="49" charset="0"/>
                 <a:cs typeface="Menlo" panose="020B0609030804020204" pitchFamily="49" charset="0"/>
@@ -3724,7 +4151,7 @@
               <a:buNone/>
             </a:pPr>
             <a:r>
-              <a:rPr lang="en-US" sz="1600" dirty="0">
+              <a:rPr lang="en-US" sz="1100" dirty="0">
                 <a:latin typeface="Menlo" panose="020B0609030804020204" pitchFamily="49" charset="0"/>
                 <a:ea typeface="Menlo" panose="020B0609030804020204" pitchFamily="49" charset="0"/>
                 <a:cs typeface="Menlo" panose="020B0609030804020204" pitchFamily="49" charset="0"/>
@@ -3737,25 +4164,20 @@
               <a:buNone/>
             </a:pPr>
             <a:r>
-              <a:rPr lang="en-US" sz="1600">
+              <a:rPr lang="en-US" sz="1100" dirty="0">
                 <a:latin typeface="Menlo" panose="020B0609030804020204" pitchFamily="49" charset="0"/>
                 <a:ea typeface="Menlo" panose="020B0609030804020204" pitchFamily="49" charset="0"/>
                 <a:cs typeface="Menlo" panose="020B0609030804020204" pitchFamily="49" charset="0"/>
               </a:rPr>
               <a:t>Reagents: …</a:t>
             </a:r>
-            <a:endParaRPr lang="en-US" sz="1600" dirty="0">
-              <a:latin typeface="Menlo" panose="020B0609030804020204" pitchFamily="49" charset="0"/>
-              <a:ea typeface="Menlo" panose="020B0609030804020204" pitchFamily="49" charset="0"/>
-              <a:cs typeface="Menlo" panose="020B0609030804020204" pitchFamily="49" charset="0"/>
-            </a:endParaRPr>
           </a:p>
           <a:p>
             <a:pPr marL="0" indent="0">
               <a:buNone/>
             </a:pPr>
             <a:r>
-              <a:rPr lang="en-US" sz="1600" dirty="0">
+              <a:rPr lang="en-US" sz="1100" dirty="0">
                 <a:latin typeface="Menlo" panose="020B0609030804020204" pitchFamily="49" charset="0"/>
                 <a:ea typeface="Menlo" panose="020B0609030804020204" pitchFamily="49" charset="0"/>
                 <a:cs typeface="Menlo" panose="020B0609030804020204" pitchFamily="49" charset="0"/>
@@ -3763,12 +4185,244 @@
               <a:t>Intermediate:</a:t>
             </a:r>
           </a:p>
+          <a:p>
+            <a:pPr marL="0" indent="0">
+              <a:buNone/>
+            </a:pPr>
+            <a:endParaRPr lang="en-US" sz="1100" dirty="0"/>
+          </a:p>
+        </p:txBody>
+      </p:sp>
+      <p:sp>
+        <p:nvSpPr>
+          <p:cNvPr id="4" name="Content Placeholder 3">
+            <a:extLst>
+              <a:ext uri="{FF2B5EF4-FFF2-40B4-BE49-F238E27FC236}">
+                <a16:creationId xmlns:a16="http://schemas.microsoft.com/office/drawing/2014/main" id="{AA43B2B4-D0EC-29B0-20FE-20806760BC2D}"/>
+              </a:ext>
+            </a:extLst>
+          </p:cNvPr>
+          <p:cNvSpPr>
+            <a:spLocks noGrp="1"/>
+          </p:cNvSpPr>
+          <p:nvPr>
+            <p:ph sz="half" idx="2"/>
+          </p:nvPr>
+        </p:nvSpPr>
+        <p:spPr/>
+        <p:txBody>
+          <a:bodyPr>
+            <a:noAutofit/>
+          </a:bodyPr>
+          <a:lstStyle/>
+          <a:p>
+            <a:pPr marL="0" indent="0">
+              <a:buNone/>
+            </a:pPr>
+            <a:r>
+              <a:rPr lang="en-US" sz="1200" dirty="0">
+                <a:latin typeface="Menlo" panose="020B0609030804020204" pitchFamily="49" charset="0"/>
+                <a:ea typeface="Menlo" panose="020B0609030804020204" pitchFamily="49" charset="0"/>
+                <a:cs typeface="Menlo" panose="020B0609030804020204" pitchFamily="49" charset="0"/>
+              </a:rPr>
+              <a:t>You are an expert chemist. Your task is to predict the next intermediate molecules in the electron transfer process given the reactants, reagents, and your experienced reaction prediction knowledge. There are some rules to follow.</a:t>
+            </a:r>
+          </a:p>
+          <a:p>
+            <a:pPr marL="0" indent="0">
+              <a:buNone/>
+            </a:pPr>
+            <a:r>
+              <a:rPr lang="en-US" sz="1200" dirty="0">
+                <a:latin typeface="Menlo" panose="020B0609030804020204" pitchFamily="49" charset="0"/>
+                <a:ea typeface="Menlo" panose="020B0609030804020204" pitchFamily="49" charset="0"/>
+                <a:cs typeface="Menlo" panose="020B0609030804020204" pitchFamily="49" charset="0"/>
+              </a:rPr>
+              <a:t>1. Strictly follow the given format, and only respond with an atom mapped SMILES string.</a:t>
+            </a:r>
+          </a:p>
+          <a:p>
+            <a:pPr marL="0" indent="0">
+              <a:buNone/>
+            </a:pPr>
+            <a:r>
+              <a:rPr lang="en-US" sz="1200" dirty="0">
+                <a:latin typeface="Menlo" panose="020B0609030804020204" pitchFamily="49" charset="0"/>
+                <a:ea typeface="Menlo" panose="020B0609030804020204" pitchFamily="49" charset="0"/>
+                <a:cs typeface="Menlo" panose="020B0609030804020204" pitchFamily="49" charset="0"/>
+              </a:rPr>
+              <a:t>2. Numbers immediately following : represent the atom mapping.</a:t>
+            </a:r>
+          </a:p>
+          <a:p>
+            <a:pPr marL="0" indent="0">
+              <a:buNone/>
+            </a:pPr>
+            <a:r>
+              <a:rPr lang="en-US" sz="1200" dirty="0">
+                <a:latin typeface="Menlo" panose="020B0609030804020204" pitchFamily="49" charset="0"/>
+                <a:ea typeface="Menlo" panose="020B0609030804020204" pitchFamily="49" charset="0"/>
+                <a:cs typeface="Menlo" panose="020B0609030804020204" pitchFamily="49" charset="0"/>
+              </a:rPr>
+              <a:t>3. A . is used to distinguish between multiple molecules in the SMILES strings.</a:t>
+            </a:r>
+          </a:p>
+          <a:p>
+            <a:pPr marL="0" indent="0">
+              <a:buNone/>
+            </a:pPr>
+            <a:r>
+              <a:rPr lang="en-US" sz="1200" dirty="0">
+                <a:latin typeface="Menlo" panose="020B0609030804020204" pitchFamily="49" charset="0"/>
+                <a:ea typeface="Menlo" panose="020B0609030804020204" pitchFamily="49" charset="0"/>
+                <a:cs typeface="Menlo" panose="020B0609030804020204" pitchFamily="49" charset="0"/>
+              </a:rPr>
+              <a:t>4. If no reagents exist, it is left blank.</a:t>
+            </a:r>
+          </a:p>
+          <a:p>
+            <a:pPr marL="0" indent="0">
+              <a:buNone/>
+            </a:pPr>
+            <a:r>
+              <a:rPr lang="en-US" sz="1200" dirty="0">
+                <a:latin typeface="Menlo" panose="020B0609030804020204" pitchFamily="49" charset="0"/>
+                <a:ea typeface="Menlo" panose="020B0609030804020204" pitchFamily="49" charset="0"/>
+                <a:cs typeface="Menlo" panose="020B0609030804020204" pitchFamily="49" charset="0"/>
+              </a:rPr>
+              <a:t>5. The resulting intermediates must be be chemically reasonable and valid.</a:t>
+            </a:r>
+          </a:p>
+          <a:p>
+            <a:pPr marL="0" indent="0">
+              <a:buNone/>
+            </a:pPr>
+            <a:endParaRPr lang="en-US" sz="1200" dirty="0">
+              <a:latin typeface="Menlo" panose="020B0609030804020204" pitchFamily="49" charset="0"/>
+              <a:ea typeface="Menlo" panose="020B0609030804020204" pitchFamily="49" charset="0"/>
+              <a:cs typeface="Menlo" panose="020B0609030804020204" pitchFamily="49" charset="0"/>
+            </a:endParaRPr>
+          </a:p>
+          <a:p>
+            <a:pPr marL="0" indent="0">
+              <a:buNone/>
+            </a:pPr>
+            <a:r>
+              <a:rPr lang="en-US" sz="1200" dirty="0">
+                <a:latin typeface="Menlo" panose="020B0609030804020204" pitchFamily="49" charset="0"/>
+                <a:ea typeface="Menlo" panose="020B0609030804020204" pitchFamily="49" charset="0"/>
+                <a:cs typeface="Menlo" panose="020B0609030804020204" pitchFamily="49" charset="0"/>
+              </a:rPr>
+              <a:t>Reactants: …</a:t>
+            </a:r>
+          </a:p>
+          <a:p>
+            <a:pPr marL="0" indent="0">
+              <a:buNone/>
+            </a:pPr>
+            <a:r>
+              <a:rPr lang="en-US" sz="1200" dirty="0">
+                <a:latin typeface="Menlo" panose="020B0609030804020204" pitchFamily="49" charset="0"/>
+                <a:ea typeface="Menlo" panose="020B0609030804020204" pitchFamily="49" charset="0"/>
+                <a:cs typeface="Menlo" panose="020B0609030804020204" pitchFamily="49" charset="0"/>
+              </a:rPr>
+              <a:t>Reagents: …</a:t>
+            </a:r>
+          </a:p>
+          <a:p>
+            <a:pPr marL="0" indent="0">
+              <a:buNone/>
+            </a:pPr>
+            <a:r>
+              <a:rPr lang="en-US" sz="1200" dirty="0">
+                <a:latin typeface="Menlo" panose="020B0609030804020204" pitchFamily="49" charset="0"/>
+                <a:ea typeface="Menlo" panose="020B0609030804020204" pitchFamily="49" charset="0"/>
+                <a:cs typeface="Menlo" panose="020B0609030804020204" pitchFamily="49" charset="0"/>
+              </a:rPr>
+              <a:t>Intermediate:</a:t>
+            </a:r>
+            <a:endParaRPr lang="en-US" sz="1200" dirty="0">
+              <a:latin typeface="Menlo" panose="020B0609030804020204" pitchFamily="49" charset="0"/>
+            </a:endParaRPr>
+          </a:p>
+        </p:txBody>
+      </p:sp>
+      <p:sp>
+        <p:nvSpPr>
+          <p:cNvPr id="5" name="TextBox 4">
+            <a:extLst>
+              <a:ext uri="{FF2B5EF4-FFF2-40B4-BE49-F238E27FC236}">
+                <a16:creationId xmlns:a16="http://schemas.microsoft.com/office/drawing/2014/main" id="{838D7608-A37C-A2A0-E546-C6FBBB5BCDCE}"/>
+              </a:ext>
+            </a:extLst>
+          </p:cNvPr>
+          <p:cNvSpPr txBox="1"/>
+          <p:nvPr/>
+        </p:nvSpPr>
+        <p:spPr>
+          <a:xfrm>
+            <a:off x="2049517" y="1429407"/>
+            <a:ext cx="3005959" cy="369332"/>
+          </a:xfrm>
+          <a:prstGeom prst="rect">
+            <a:avLst/>
+          </a:prstGeom>
+          <a:noFill/>
+        </p:spPr>
+        <p:txBody>
+          <a:bodyPr wrap="square" rtlCol="0">
+            <a:spAutoFit/>
+          </a:bodyPr>
+          <a:lstStyle/>
+          <a:p>
+            <a:pPr algn="ctr"/>
+            <a:r>
+              <a:rPr lang="en-US" dirty="0"/>
+              <a:t>Few Shot</a:t>
+            </a:r>
+          </a:p>
+        </p:txBody>
+      </p:sp>
+      <p:sp>
+        <p:nvSpPr>
+          <p:cNvPr id="6" name="TextBox 5">
+            <a:extLst>
+              <a:ext uri="{FF2B5EF4-FFF2-40B4-BE49-F238E27FC236}">
+                <a16:creationId xmlns:a16="http://schemas.microsoft.com/office/drawing/2014/main" id="{08C4E904-BBDD-B1E2-1B63-7C19ED3A30E7}"/>
+              </a:ext>
+            </a:extLst>
+          </p:cNvPr>
+          <p:cNvSpPr txBox="1"/>
+          <p:nvPr/>
+        </p:nvSpPr>
+        <p:spPr>
+          <a:xfrm>
+            <a:off x="7136526" y="1388825"/>
+            <a:ext cx="3005959" cy="369332"/>
+          </a:xfrm>
+          <a:prstGeom prst="rect">
+            <a:avLst/>
+          </a:prstGeom>
+          <a:noFill/>
+        </p:spPr>
+        <p:txBody>
+          <a:bodyPr wrap="square" rtlCol="0">
+            <a:spAutoFit/>
+          </a:bodyPr>
+          <a:lstStyle/>
+          <a:p>
+            <a:pPr algn="ctr"/>
+            <a:r>
+              <a:rPr lang="en-US" dirty="0"/>
+              <a:t>Zero Shot</a:t>
+            </a:r>
+          </a:p>
         </p:txBody>
       </p:sp>
     </p:spTree>
     <p:extLst>
       <p:ext uri="{BB962C8B-B14F-4D97-AF65-F5344CB8AC3E}">
-        <p14:creationId xmlns:p14="http://schemas.microsoft.com/office/powerpoint/2010/main" val="4160100938"/>
+        <p14:creationId xmlns:p14="http://schemas.microsoft.com/office/powerpoint/2010/main" val="182460510"/>
       </p:ext>
     </p:extLst>
   </p:cSld>
@@ -3795,6 +4449,480 @@
           <a:chExt cx="0" cy="0"/>
         </a:xfrm>
       </p:grpSpPr>
+      <p:sp>
+        <p:nvSpPr>
+          <p:cNvPr id="2" name="Title 1">
+            <a:extLst>
+              <a:ext uri="{FF2B5EF4-FFF2-40B4-BE49-F238E27FC236}">
+                <a16:creationId xmlns:a16="http://schemas.microsoft.com/office/drawing/2014/main" id="{02ACD840-50E0-0C96-3CD6-518F49E92D5E}"/>
+              </a:ext>
+            </a:extLst>
+          </p:cNvPr>
+          <p:cNvSpPr>
+            <a:spLocks noGrp="1"/>
+          </p:cNvSpPr>
+          <p:nvPr>
+            <p:ph type="title"/>
+          </p:nvPr>
+        </p:nvSpPr>
+        <p:spPr/>
+        <p:txBody>
+          <a:bodyPr/>
+          <a:lstStyle/>
+          <a:p>
+            <a:r>
+              <a:rPr lang="en-US" dirty="0"/>
+              <a:t>Prompt</a:t>
+            </a:r>
+          </a:p>
+        </p:txBody>
+      </p:sp>
+      <p:sp>
+        <p:nvSpPr>
+          <p:cNvPr id="3" name="Content Placeholder 2">
+            <a:extLst>
+              <a:ext uri="{FF2B5EF4-FFF2-40B4-BE49-F238E27FC236}">
+                <a16:creationId xmlns:a16="http://schemas.microsoft.com/office/drawing/2014/main" id="{B079586A-F43C-2BDF-EF4C-039B822052BE}"/>
+              </a:ext>
+            </a:extLst>
+          </p:cNvPr>
+          <p:cNvSpPr>
+            <a:spLocks noGrp="1"/>
+          </p:cNvSpPr>
+          <p:nvPr>
+            <p:ph idx="1"/>
+          </p:nvPr>
+        </p:nvSpPr>
+        <p:spPr>
+          <a:xfrm>
+            <a:off x="566059" y="1720170"/>
+            <a:ext cx="5442857" cy="4351338"/>
+          </a:xfrm>
+        </p:spPr>
+        <p:txBody>
+          <a:bodyPr>
+            <a:normAutofit fontScale="70000" lnSpcReduction="20000"/>
+          </a:bodyPr>
+          <a:lstStyle/>
+          <a:p>
+            <a:pPr marL="0" indent="0">
+              <a:buNone/>
+            </a:pPr>
+            <a:r>
+              <a:rPr lang="en-US" sz="1600" dirty="0">
+                <a:latin typeface="Menlo" panose="020B0609030804020204" pitchFamily="49" charset="0"/>
+                <a:ea typeface="Menlo" panose="020B0609030804020204" pitchFamily="49" charset="0"/>
+                <a:cs typeface="Menlo" panose="020B0609030804020204" pitchFamily="49" charset="0"/>
+              </a:rPr>
+              <a:t>You are an expert chemist. Your task is to predict the next intermediate molecules in the electron transfer process given the reactants and reagents, several examples, and your experienced reaction prediction knowledge. There are some rules to follow.</a:t>
+            </a:r>
+          </a:p>
+          <a:p>
+            <a:pPr marL="0" indent="0">
+              <a:buNone/>
+            </a:pPr>
+            <a:r>
+              <a:rPr lang="en-US" sz="1600" dirty="0">
+                <a:latin typeface="Menlo" panose="020B0609030804020204" pitchFamily="49" charset="0"/>
+                <a:ea typeface="Menlo" panose="020B0609030804020204" pitchFamily="49" charset="0"/>
+                <a:cs typeface="Menlo" panose="020B0609030804020204" pitchFamily="49" charset="0"/>
+              </a:rPr>
+              <a:t>1. Strictly follow the given format, and only respond with an atom mapped SMILES string.</a:t>
+            </a:r>
+          </a:p>
+          <a:p>
+            <a:pPr marL="0" indent="0">
+              <a:buNone/>
+            </a:pPr>
+            <a:r>
+              <a:rPr lang="en-US" sz="1600" dirty="0">
+                <a:latin typeface="Menlo" panose="020B0609030804020204" pitchFamily="49" charset="0"/>
+                <a:ea typeface="Menlo" panose="020B0609030804020204" pitchFamily="49" charset="0"/>
+                <a:cs typeface="Menlo" panose="020B0609030804020204" pitchFamily="49" charset="0"/>
+              </a:rPr>
+              <a:t>2. Numbers immediately following : represent the atom mapping.</a:t>
+            </a:r>
+          </a:p>
+          <a:p>
+            <a:pPr marL="0" indent="0">
+              <a:buNone/>
+            </a:pPr>
+            <a:r>
+              <a:rPr lang="en-US" sz="1600" dirty="0">
+                <a:latin typeface="Menlo" panose="020B0609030804020204" pitchFamily="49" charset="0"/>
+                <a:ea typeface="Menlo" panose="020B0609030804020204" pitchFamily="49" charset="0"/>
+                <a:cs typeface="Menlo" panose="020B0609030804020204" pitchFamily="49" charset="0"/>
+              </a:rPr>
+              <a:t>3. A . is used to distinguish between multiple molecules in the SMILES strings.</a:t>
+            </a:r>
+          </a:p>
+          <a:p>
+            <a:pPr marL="0" indent="0">
+              <a:buNone/>
+            </a:pPr>
+            <a:r>
+              <a:rPr lang="en-US" sz="1600" dirty="0">
+                <a:latin typeface="Menlo" panose="020B0609030804020204" pitchFamily="49" charset="0"/>
+                <a:ea typeface="Menlo" panose="020B0609030804020204" pitchFamily="49" charset="0"/>
+                <a:cs typeface="Menlo" panose="020B0609030804020204" pitchFamily="49" charset="0"/>
+              </a:rPr>
+              <a:t>4. If no reagents exist, it is left blank.</a:t>
+            </a:r>
+          </a:p>
+          <a:p>
+            <a:pPr marL="0" indent="0">
+              <a:buNone/>
+            </a:pPr>
+            <a:r>
+              <a:rPr lang="en-US" sz="1600" dirty="0">
+                <a:latin typeface="Menlo" panose="020B0609030804020204" pitchFamily="49" charset="0"/>
+                <a:ea typeface="Menlo" panose="020B0609030804020204" pitchFamily="49" charset="0"/>
+                <a:cs typeface="Menlo" panose="020B0609030804020204" pitchFamily="49" charset="0"/>
+              </a:rPr>
+              <a:t>5. The resulting intermediates must be be chemically reasonable and valid.</a:t>
+            </a:r>
+          </a:p>
+          <a:p>
+            <a:pPr marL="0" indent="0">
+              <a:buNone/>
+            </a:pPr>
+            <a:endParaRPr lang="en-US" sz="1600" dirty="0">
+              <a:latin typeface="Menlo" panose="020B0609030804020204" pitchFamily="49" charset="0"/>
+              <a:ea typeface="Menlo" panose="020B0609030804020204" pitchFamily="49" charset="0"/>
+              <a:cs typeface="Menlo" panose="020B0609030804020204" pitchFamily="49" charset="0"/>
+            </a:endParaRPr>
+          </a:p>
+          <a:p>
+            <a:pPr marL="0" indent="0">
+              <a:buNone/>
+            </a:pPr>
+            <a:r>
+              <a:rPr lang="en-US" sz="1600" dirty="0">
+                <a:latin typeface="Menlo" panose="020B0609030804020204" pitchFamily="49" charset="0"/>
+                <a:ea typeface="Menlo" panose="020B0609030804020204" pitchFamily="49" charset="0"/>
+                <a:cs typeface="Menlo" panose="020B0609030804020204" pitchFamily="49" charset="0"/>
+              </a:rPr>
+              <a:t>Reactants: …</a:t>
+            </a:r>
+          </a:p>
+          <a:p>
+            <a:pPr marL="0" indent="0">
+              <a:buNone/>
+            </a:pPr>
+            <a:r>
+              <a:rPr lang="en-US" sz="1600" dirty="0">
+                <a:latin typeface="Menlo" panose="020B0609030804020204" pitchFamily="49" charset="0"/>
+                <a:ea typeface="Menlo" panose="020B0609030804020204" pitchFamily="49" charset="0"/>
+                <a:cs typeface="Menlo" panose="020B0609030804020204" pitchFamily="49" charset="0"/>
+              </a:rPr>
+              <a:t>Reagents: …</a:t>
+            </a:r>
+          </a:p>
+          <a:p>
+            <a:pPr marL="0" indent="0">
+              <a:buNone/>
+            </a:pPr>
+            <a:r>
+              <a:rPr lang="en-US" sz="1600" dirty="0">
+                <a:latin typeface="Menlo" panose="020B0609030804020204" pitchFamily="49" charset="0"/>
+                <a:ea typeface="Menlo" panose="020B0609030804020204" pitchFamily="49" charset="0"/>
+                <a:cs typeface="Menlo" panose="020B0609030804020204" pitchFamily="49" charset="0"/>
+              </a:rPr>
+              <a:t>Intermediate: …</a:t>
+            </a:r>
+          </a:p>
+          <a:p>
+            <a:pPr marL="0" indent="0">
+              <a:buNone/>
+            </a:pPr>
+            <a:r>
+              <a:rPr lang="en-US" sz="1600" dirty="0">
+                <a:latin typeface="Menlo" panose="020B0609030804020204" pitchFamily="49" charset="0"/>
+                <a:ea typeface="Menlo" panose="020B0609030804020204" pitchFamily="49" charset="0"/>
+                <a:cs typeface="Menlo" panose="020B0609030804020204" pitchFamily="49" charset="0"/>
+              </a:rPr>
+              <a:t>…</a:t>
+            </a:r>
+          </a:p>
+          <a:p>
+            <a:pPr marL="0" indent="0">
+              <a:buNone/>
+            </a:pPr>
+            <a:r>
+              <a:rPr lang="en-US" sz="1600" dirty="0">
+                <a:latin typeface="Menlo" panose="020B0609030804020204" pitchFamily="49" charset="0"/>
+                <a:ea typeface="Menlo" panose="020B0609030804020204" pitchFamily="49" charset="0"/>
+                <a:cs typeface="Menlo" panose="020B0609030804020204" pitchFamily="49" charset="0"/>
+              </a:rPr>
+              <a:t>Reactants: …</a:t>
+            </a:r>
+          </a:p>
+          <a:p>
+            <a:pPr marL="0" indent="0">
+              <a:buNone/>
+            </a:pPr>
+            <a:r>
+              <a:rPr lang="en-US" sz="1600" dirty="0">
+                <a:latin typeface="Menlo" panose="020B0609030804020204" pitchFamily="49" charset="0"/>
+                <a:ea typeface="Menlo" panose="020B0609030804020204" pitchFamily="49" charset="0"/>
+                <a:cs typeface="Menlo" panose="020B0609030804020204" pitchFamily="49" charset="0"/>
+              </a:rPr>
+              <a:t>Reagents: …</a:t>
+            </a:r>
+          </a:p>
+          <a:p>
+            <a:pPr marL="0" indent="0">
+              <a:buNone/>
+            </a:pPr>
+            <a:r>
+              <a:rPr lang="en-US" sz="1600" dirty="0">
+                <a:latin typeface="Menlo" panose="020B0609030804020204" pitchFamily="49" charset="0"/>
+                <a:ea typeface="Menlo" panose="020B0609030804020204" pitchFamily="49" charset="0"/>
+                <a:cs typeface="Menlo" panose="020B0609030804020204" pitchFamily="49" charset="0"/>
+              </a:rPr>
+              <a:t>Intermediate:</a:t>
+            </a:r>
+          </a:p>
+        </p:txBody>
+      </p:sp>
+      <p:sp>
+        <p:nvSpPr>
+          <p:cNvPr id="5" name="TextBox 4">
+            <a:extLst>
+              <a:ext uri="{FF2B5EF4-FFF2-40B4-BE49-F238E27FC236}">
+                <a16:creationId xmlns:a16="http://schemas.microsoft.com/office/drawing/2014/main" id="{5CC31479-E6EA-6626-07C4-C084049483D6}"/>
+              </a:ext>
+            </a:extLst>
+          </p:cNvPr>
+          <p:cNvSpPr txBox="1"/>
+          <p:nvPr/>
+        </p:nvSpPr>
+        <p:spPr>
+          <a:xfrm>
+            <a:off x="6183085" y="1720170"/>
+            <a:ext cx="5660571" cy="4154984"/>
+          </a:xfrm>
+          <a:prstGeom prst="rect">
+            <a:avLst/>
+          </a:prstGeom>
+          <a:noFill/>
+        </p:spPr>
+        <p:txBody>
+          <a:bodyPr wrap="square">
+            <a:spAutoFit/>
+          </a:bodyPr>
+          <a:lstStyle/>
+          <a:p>
+            <a:pPr marL="0" indent="0">
+              <a:buNone/>
+            </a:pPr>
+            <a:r>
+              <a:rPr lang="en-US" sz="1200" dirty="0">
+                <a:latin typeface="Menlo" panose="020B0609030804020204" pitchFamily="49" charset="0"/>
+                <a:ea typeface="Menlo" panose="020B0609030804020204" pitchFamily="49" charset="0"/>
+                <a:cs typeface="Menlo" panose="020B0609030804020204" pitchFamily="49" charset="0"/>
+              </a:rPr>
+              <a:t>You are an expert chemist. Your task is to predict the next intermediate molecules in the electron transfer process given the reactants and reagents, several examples, and your experienced reaction prediction knowledge. There are some rules to follow.</a:t>
+            </a:r>
+          </a:p>
+          <a:p>
+            <a:pPr marL="0" indent="0">
+              <a:buNone/>
+            </a:pPr>
+            <a:r>
+              <a:rPr lang="en-US" sz="1200" dirty="0">
+                <a:latin typeface="Menlo" panose="020B0609030804020204" pitchFamily="49" charset="0"/>
+                <a:ea typeface="Menlo" panose="020B0609030804020204" pitchFamily="49" charset="0"/>
+                <a:cs typeface="Menlo" panose="020B0609030804020204" pitchFamily="49" charset="0"/>
+              </a:rPr>
+              <a:t>1. Strictly follow the given format, and only respond with an atom mapped SMILES string.</a:t>
+            </a:r>
+          </a:p>
+          <a:p>
+            <a:pPr marL="0" indent="0">
+              <a:buNone/>
+            </a:pPr>
+            <a:r>
+              <a:rPr lang="en-US" sz="1200" dirty="0">
+                <a:latin typeface="Menlo" panose="020B0609030804020204" pitchFamily="49" charset="0"/>
+                <a:ea typeface="Menlo" panose="020B0609030804020204" pitchFamily="49" charset="0"/>
+                <a:cs typeface="Menlo" panose="020B0609030804020204" pitchFamily="49" charset="0"/>
+              </a:rPr>
+              <a:t>2. Numbers immediately following : represent the atom mapping.</a:t>
+            </a:r>
+          </a:p>
+          <a:p>
+            <a:pPr marL="0" indent="0">
+              <a:buNone/>
+            </a:pPr>
+            <a:r>
+              <a:rPr lang="en-US" sz="1200" dirty="0">
+                <a:latin typeface="Menlo" panose="020B0609030804020204" pitchFamily="49" charset="0"/>
+                <a:ea typeface="Menlo" panose="020B0609030804020204" pitchFamily="49" charset="0"/>
+                <a:cs typeface="Menlo" panose="020B0609030804020204" pitchFamily="49" charset="0"/>
+              </a:rPr>
+              <a:t>3. A . is used to distinguish between multiple molecules in the SMILES strings.</a:t>
+            </a:r>
+          </a:p>
+          <a:p>
+            <a:pPr marL="0" indent="0">
+              <a:buNone/>
+            </a:pPr>
+            <a:r>
+              <a:rPr lang="en-US" sz="1200" dirty="0">
+                <a:latin typeface="Menlo" panose="020B0609030804020204" pitchFamily="49" charset="0"/>
+                <a:ea typeface="Menlo" panose="020B0609030804020204" pitchFamily="49" charset="0"/>
+                <a:cs typeface="Menlo" panose="020B0609030804020204" pitchFamily="49" charset="0"/>
+              </a:rPr>
+              <a:t>4. If no reagents exist, it is left blank.</a:t>
+            </a:r>
+          </a:p>
+          <a:p>
+            <a:pPr marL="0" indent="0">
+              <a:buNone/>
+            </a:pPr>
+            <a:r>
+              <a:rPr lang="en-US" sz="1200" dirty="0">
+                <a:latin typeface="Menlo" panose="020B0609030804020204" pitchFamily="49" charset="0"/>
+                <a:ea typeface="Menlo" panose="020B0609030804020204" pitchFamily="49" charset="0"/>
+                <a:cs typeface="Menlo" panose="020B0609030804020204" pitchFamily="49" charset="0"/>
+              </a:rPr>
+              <a:t>5. The resulting intermediates must be be chemically reasonable and valid.</a:t>
+            </a:r>
+          </a:p>
+          <a:p>
+            <a:pPr marL="0" indent="0">
+              <a:buNone/>
+            </a:pPr>
+            <a:endParaRPr lang="en-US" sz="1200" dirty="0">
+              <a:latin typeface="Menlo" panose="020B0609030804020204" pitchFamily="49" charset="0"/>
+              <a:ea typeface="Menlo" panose="020B0609030804020204" pitchFamily="49" charset="0"/>
+              <a:cs typeface="Menlo" panose="020B0609030804020204" pitchFamily="49" charset="0"/>
+            </a:endParaRPr>
+          </a:p>
+          <a:p>
+            <a:pPr marL="0" indent="0">
+              <a:buNone/>
+            </a:pPr>
+            <a:r>
+              <a:rPr lang="en-US" sz="1200" dirty="0">
+                <a:latin typeface="Menlo" panose="020B0609030804020204" pitchFamily="49" charset="0"/>
+                <a:ea typeface="Menlo" panose="020B0609030804020204" pitchFamily="49" charset="0"/>
+                <a:cs typeface="Menlo" panose="020B0609030804020204" pitchFamily="49" charset="0"/>
+              </a:rPr>
+              <a:t>Reactants: …</a:t>
+            </a:r>
+          </a:p>
+          <a:p>
+            <a:pPr marL="0" indent="0">
+              <a:buNone/>
+            </a:pPr>
+            <a:r>
+              <a:rPr lang="en-US" sz="1200" dirty="0">
+                <a:latin typeface="Menlo" panose="020B0609030804020204" pitchFamily="49" charset="0"/>
+                <a:ea typeface="Menlo" panose="020B0609030804020204" pitchFamily="49" charset="0"/>
+                <a:cs typeface="Menlo" panose="020B0609030804020204" pitchFamily="49" charset="0"/>
+              </a:rPr>
+              <a:t>Reagents: …</a:t>
+            </a:r>
+          </a:p>
+          <a:p>
+            <a:pPr marL="0" indent="0">
+              <a:buNone/>
+            </a:pPr>
+            <a:r>
+              <a:rPr lang="en-US" sz="1200" dirty="0">
+                <a:latin typeface="Menlo" panose="020B0609030804020204" pitchFamily="49" charset="0"/>
+                <a:ea typeface="Menlo" panose="020B0609030804020204" pitchFamily="49" charset="0"/>
+                <a:cs typeface="Menlo" panose="020B0609030804020204" pitchFamily="49" charset="0"/>
+              </a:rPr>
+              <a:t>Intermediate: …</a:t>
+            </a:r>
+          </a:p>
+          <a:p>
+            <a:pPr marL="0" indent="0">
+              <a:buNone/>
+            </a:pPr>
+            <a:r>
+              <a:rPr lang="en-US" sz="1200" dirty="0">
+                <a:latin typeface="Menlo" panose="020B0609030804020204" pitchFamily="49" charset="0"/>
+                <a:ea typeface="Menlo" panose="020B0609030804020204" pitchFamily="49" charset="0"/>
+                <a:cs typeface="Menlo" panose="020B0609030804020204" pitchFamily="49" charset="0"/>
+              </a:rPr>
+              <a:t>…</a:t>
+            </a:r>
+          </a:p>
+          <a:p>
+            <a:pPr marL="0" indent="0">
+              <a:buNone/>
+            </a:pPr>
+            <a:r>
+              <a:rPr lang="en-US" sz="1200" dirty="0">
+                <a:latin typeface="Menlo" panose="020B0609030804020204" pitchFamily="49" charset="0"/>
+                <a:ea typeface="Menlo" panose="020B0609030804020204" pitchFamily="49" charset="0"/>
+                <a:cs typeface="Menlo" panose="020B0609030804020204" pitchFamily="49" charset="0"/>
+              </a:rPr>
+              <a:t>Reactants: …</a:t>
+            </a:r>
+          </a:p>
+          <a:p>
+            <a:pPr marL="0" indent="0">
+              <a:buNone/>
+            </a:pPr>
+            <a:r>
+              <a:rPr lang="en-US" sz="1200" dirty="0">
+                <a:latin typeface="Menlo" panose="020B0609030804020204" pitchFamily="49" charset="0"/>
+                <a:ea typeface="Menlo" panose="020B0609030804020204" pitchFamily="49" charset="0"/>
+                <a:cs typeface="Menlo" panose="020B0609030804020204" pitchFamily="49" charset="0"/>
+              </a:rPr>
+              <a:t>Reagents: …</a:t>
+            </a:r>
+          </a:p>
+          <a:p>
+            <a:pPr marL="0" indent="0">
+              <a:buNone/>
+            </a:pPr>
+            <a:r>
+              <a:rPr lang="en-US" sz="1200" dirty="0">
+                <a:latin typeface="Menlo" panose="020B0609030804020204" pitchFamily="49" charset="0"/>
+                <a:ea typeface="Menlo" panose="020B0609030804020204" pitchFamily="49" charset="0"/>
+                <a:cs typeface="Menlo" panose="020B0609030804020204" pitchFamily="49" charset="0"/>
+              </a:rPr>
+              <a:t>Intermediate:</a:t>
+            </a:r>
+          </a:p>
+        </p:txBody>
+      </p:sp>
+    </p:spTree>
+    <p:extLst>
+      <p:ext uri="{BB962C8B-B14F-4D97-AF65-F5344CB8AC3E}">
+        <p14:creationId xmlns:p14="http://schemas.microsoft.com/office/powerpoint/2010/main" val="4160100938"/>
+      </p:ext>
+    </p:extLst>
+  </p:cSld>
+  <p:clrMapOvr>
+    <a:masterClrMapping/>
+  </p:clrMapOvr>
+</p:sld>
+</file>
+
+<file path=ppt/slides/slide13.xml><?xml version="1.0" encoding="utf-8"?>
+<p:sld xmlns:a="http://schemas.openxmlformats.org/drawingml/2006/main" xmlns:r="http://schemas.openxmlformats.org/officeDocument/2006/relationships" xmlns:p="http://schemas.openxmlformats.org/presentationml/2006/main">
+  <p:cSld>
+    <p:spTree>
+      <p:nvGrpSpPr>
+        <p:cNvPr id="1" name=""/>
+        <p:cNvGrpSpPr/>
+        <p:nvPr/>
+      </p:nvGrpSpPr>
+      <p:grpSpPr>
+        <a:xfrm>
+          <a:off x="0" y="0"/>
+          <a:ext cx="0" cy="0"/>
+          <a:chOff x="0" y="0"/>
+          <a:chExt cx="0" cy="0"/>
+        </a:xfrm>
+      </p:grpSpPr>
       <p:graphicFrame>
         <p:nvGraphicFramePr>
           <p:cNvPr id="4" name="Content Placeholder 3">
@@ -3811,14 +4939,14 @@
             <p:ph idx="1"/>
             <p:extLst>
               <p:ext uri="{D42A27DB-BD31-4B8C-83A1-F6EECF244321}">
-                <p14:modId xmlns:p14="http://schemas.microsoft.com/office/powerpoint/2010/main" val="2338993653"/>
+                <p14:modId xmlns:p14="http://schemas.microsoft.com/office/powerpoint/2010/main" val="3119957295"/>
               </p:ext>
             </p:extLst>
           </p:nvPr>
         </p:nvGraphicFramePr>
         <p:xfrm>
-          <a:off x="812800" y="746125"/>
-          <a:ext cx="7837436" cy="5574450"/>
+          <a:off x="812799" y="746125"/>
+          <a:ext cx="10279744" cy="4925334"/>
         </p:xfrm>
         <a:graphic>
           <a:graphicData uri="http://schemas.openxmlformats.org/drawingml/2006/table">
@@ -3827,28 +4955,28 @@
                 <a:tableStyleId>{5C22544A-7EE6-4342-B048-85BDC9FD1C3A}</a:tableStyleId>
               </a:tblPr>
               <a:tblGrid>
-                <a:gridCol w="1959359">
+                <a:gridCol w="2569936">
                   <a:extLst>
                     <a:ext uri="{9D8B030D-6E8A-4147-A177-3AD203B41FA5}">
                       <a16:colId xmlns:a16="http://schemas.microsoft.com/office/drawing/2014/main" val="963128114"/>
                     </a:ext>
                   </a:extLst>
                 </a:gridCol>
-                <a:gridCol w="1959359">
+                <a:gridCol w="2569936">
                   <a:extLst>
                     <a:ext uri="{9D8B030D-6E8A-4147-A177-3AD203B41FA5}">
                       <a16:colId xmlns:a16="http://schemas.microsoft.com/office/drawing/2014/main" val="960655308"/>
                     </a:ext>
                   </a:extLst>
                 </a:gridCol>
-                <a:gridCol w="1959359">
+                <a:gridCol w="2569936">
                   <a:extLst>
                     <a:ext uri="{9D8B030D-6E8A-4147-A177-3AD203B41FA5}">
                       <a16:colId xmlns:a16="http://schemas.microsoft.com/office/drawing/2014/main" val="676507202"/>
                     </a:ext>
                   </a:extLst>
                 </a:gridCol>
-                <a:gridCol w="1959359">
+                <a:gridCol w="2569936">
                   <a:extLst>
                     <a:ext uri="{9D8B030D-6E8A-4147-A177-3AD203B41FA5}">
                       <a16:colId xmlns:a16="http://schemas.microsoft.com/office/drawing/2014/main" val="938938723"/>
@@ -3856,7 +4984,7 @@
                   </a:extLst>
                 </a:gridCol>
               </a:tblGrid>
-              <a:tr h="1114890">
+              <a:tr h="820889">
                 <a:tc>
                   <a:txBody>
                     <a:bodyPr/>
@@ -3915,7 +5043,7 @@
                   </a:ext>
                 </a:extLst>
               </a:tr>
-              <a:tr h="1114890">
+              <a:tr h="820889">
                 <a:tc>
                   <a:txBody>
                     <a:bodyPr/>
@@ -3974,7 +5102,7 @@
                   </a:ext>
                 </a:extLst>
               </a:tr>
-              <a:tr h="1114890">
+              <a:tr h="820889">
                 <a:tc>
                   <a:txBody>
                     <a:bodyPr/>
@@ -4033,7 +5161,7 @@
                   </a:ext>
                 </a:extLst>
               </a:tr>
-              <a:tr h="1114890">
+              <a:tr h="820889">
                 <a:tc>
                   <a:txBody>
                     <a:bodyPr/>
@@ -4092,7 +5220,7 @@
                   </a:ext>
                 </a:extLst>
               </a:tr>
-              <a:tr h="1114890">
+              <a:tr h="820889">
                 <a:tc>
                   <a:txBody>
                     <a:bodyPr/>
@@ -4148,6 +5276,59 @@
                 <a:extLst>
                   <a:ext uri="{0D108BD9-81ED-4DB2-BD59-A6C34878D82A}">
                     <a16:rowId xmlns:a16="http://schemas.microsoft.com/office/drawing/2014/main" val="464696613"/>
+                  </a:ext>
+                </a:extLst>
+              </a:tr>
+              <a:tr h="820889">
+                <a:tc>
+                  <a:txBody>
+                    <a:bodyPr/>
+                    <a:lstStyle/>
+                    <a:p>
+                      <a:r>
+                        <a:rPr lang="en-US" dirty="0"/>
+                        <a:t>Zero-Shot w/ SC (n = 20)</a:t>
+                      </a:r>
+                    </a:p>
+                  </a:txBody>
+                  <a:tcPr/>
+                </a:tc>
+                <a:tc>
+                  <a:txBody>
+                    <a:bodyPr/>
+                    <a:lstStyle/>
+                    <a:p>
+                      <a:r>
+                        <a:rPr lang="en-US" dirty="0"/>
+                        <a:t>GPT-4</a:t>
+                      </a:r>
+                    </a:p>
+                  </a:txBody>
+                  <a:tcPr/>
+                </a:tc>
+                <a:tc>
+                  <a:txBody>
+                    <a:bodyPr/>
+                    <a:lstStyle/>
+                    <a:p>
+                      <a:endParaRPr lang="en-US" dirty="0"/>
+                    </a:p>
+                  </a:txBody>
+                  <a:tcPr/>
+                </a:tc>
+                <a:tc>
+                  <a:txBody>
+                    <a:bodyPr/>
+                    <a:lstStyle/>
+                    <a:p>
+                      <a:endParaRPr lang="en-US" dirty="0"/>
+                    </a:p>
+                  </a:txBody>
+                  <a:tcPr/>
+                </a:tc>
+                <a:extLst>
+                  <a:ext uri="{0D108BD9-81ED-4DB2-BD59-A6C34878D82A}">
+                    <a16:rowId xmlns:a16="http://schemas.microsoft.com/office/drawing/2014/main" val="3913006389"/>
                   </a:ext>
                 </a:extLst>
               </a:tr>
@@ -5798,4 +6979,299 @@
     </a:ext>
   </a:extLst>
 </a:theme>
+</file>
+
+<file path=ppt/theme/theme2.xml><?xml version="1.0" encoding="utf-8"?>
+<a:theme xmlns:a="http://schemas.openxmlformats.org/drawingml/2006/main" name="Office Theme">
+  <a:themeElements>
+    <a:clrScheme name="Office">
+      <a:dk1>
+        <a:sysClr val="windowText" lastClr="000000"/>
+      </a:dk1>
+      <a:lt1>
+        <a:sysClr val="window" lastClr="FFFFFF"/>
+      </a:lt1>
+      <a:dk2>
+        <a:srgbClr val="44546A"/>
+      </a:dk2>
+      <a:lt2>
+        <a:srgbClr val="E7E6E6"/>
+      </a:lt2>
+      <a:accent1>
+        <a:srgbClr val="4472C4"/>
+      </a:accent1>
+      <a:accent2>
+        <a:srgbClr val="ED7D31"/>
+      </a:accent2>
+      <a:accent3>
+        <a:srgbClr val="A5A5A5"/>
+      </a:accent3>
+      <a:accent4>
+        <a:srgbClr val="FFC000"/>
+      </a:accent4>
+      <a:accent5>
+        <a:srgbClr val="5B9BD5"/>
+      </a:accent5>
+      <a:accent6>
+        <a:srgbClr val="70AD47"/>
+      </a:accent6>
+      <a:hlink>
+        <a:srgbClr val="0563C1"/>
+      </a:hlink>
+      <a:folHlink>
+        <a:srgbClr val="954F72"/>
+      </a:folHlink>
+    </a:clrScheme>
+    <a:fontScheme name="Office">
+      <a:majorFont>
+        <a:latin typeface="Calibri Light" panose="020F0302020204030204"/>
+        <a:ea typeface=""/>
+        <a:cs typeface=""/>
+        <a:font script="Jpan" typeface="游ゴシック Light"/>
+        <a:font script="Hang" typeface="맑은 고딕"/>
+        <a:font script="Hans" typeface="等线 Light"/>
+        <a:font script="Hant" typeface="新細明體"/>
+        <a:font script="Arab" typeface="Times New Roman"/>
+        <a:font script="Hebr" typeface="Times New Roman"/>
+        <a:font script="Thai" typeface="Angsana New"/>
+        <a:font script="Ethi" typeface="Nyala"/>
+        <a:font script="Beng" typeface="Vrinda"/>
+        <a:font script="Gujr" typeface="Shruti"/>
+        <a:font script="Khmr" typeface="MoolBoran"/>
+        <a:font script="Knda" typeface="Tunga"/>
+        <a:font script="Guru" typeface="Raavi"/>
+        <a:font script="Cans" typeface="Euphemia"/>
+        <a:font script="Cher" typeface="Plantagenet Cherokee"/>
+        <a:font script="Yiii" typeface="Microsoft Yi Baiti"/>
+        <a:font script="Tibt" typeface="Microsoft Himalaya"/>
+        <a:font script="Thaa" typeface="MV Boli"/>
+        <a:font script="Deva" typeface="Mangal"/>
+        <a:font script="Telu" typeface="Gautami"/>
+        <a:font script="Taml" typeface="Latha"/>
+        <a:font script="Syrc" typeface="Estrangelo Edessa"/>
+        <a:font script="Orya" typeface="Kalinga"/>
+        <a:font script="Mlym" typeface="Kartika"/>
+        <a:font script="Laoo" typeface="DokChampa"/>
+        <a:font script="Sinh" typeface="Iskoola Pota"/>
+        <a:font script="Mong" typeface="Mongolian Baiti"/>
+        <a:font script="Viet" typeface="Times New Roman"/>
+        <a:font script="Uigh" typeface="Microsoft Uighur"/>
+        <a:font script="Geor" typeface="Sylfaen"/>
+        <a:font script="Armn" typeface="Arial"/>
+        <a:font script="Bugi" typeface="Leelawadee UI"/>
+        <a:font script="Bopo" typeface="Microsoft JhengHei"/>
+        <a:font script="Java" typeface="Javanese Text"/>
+        <a:font script="Lisu" typeface="Segoe UI"/>
+        <a:font script="Mymr" typeface="Myanmar Text"/>
+        <a:font script="Nkoo" typeface="Ebrima"/>
+        <a:font script="Olck" typeface="Nirmala UI"/>
+        <a:font script="Osma" typeface="Ebrima"/>
+        <a:font script="Phag" typeface="Phagspa"/>
+        <a:font script="Syrn" typeface="Estrangelo Edessa"/>
+        <a:font script="Syrj" typeface="Estrangelo Edessa"/>
+        <a:font script="Syre" typeface="Estrangelo Edessa"/>
+        <a:font script="Sora" typeface="Nirmala UI"/>
+        <a:font script="Tale" typeface="Microsoft Tai Le"/>
+        <a:font script="Talu" typeface="Microsoft New Tai Lue"/>
+        <a:font script="Tfng" typeface="Ebrima"/>
+      </a:majorFont>
+      <a:minorFont>
+        <a:latin typeface="Calibri" panose="020F0502020204030204"/>
+        <a:ea typeface=""/>
+        <a:cs typeface=""/>
+        <a:font script="Jpan" typeface="游ゴシック"/>
+        <a:font script="Hang" typeface="맑은 고딕"/>
+        <a:font script="Hans" typeface="等线"/>
+        <a:font script="Hant" typeface="新細明體"/>
+        <a:font script="Arab" typeface="Arial"/>
+        <a:font script="Hebr" typeface="Arial"/>
+        <a:font script="Thai" typeface="Cordia New"/>
+        <a:font script="Ethi" typeface="Nyala"/>
+        <a:font script="Beng" typeface="Vrinda"/>
+        <a:font script="Gujr" typeface="Shruti"/>
+        <a:font script="Khmr" typeface="DaunPenh"/>
+        <a:font script="Knda" typeface="Tunga"/>
+        <a:font script="Guru" typeface="Raavi"/>
+        <a:font script="Cans" typeface="Euphemia"/>
+        <a:font script="Cher" typeface="Plantagenet Cherokee"/>
+        <a:font script="Yiii" typeface="Microsoft Yi Baiti"/>
+        <a:font script="Tibt" typeface="Microsoft Himalaya"/>
+        <a:font script="Thaa" typeface="MV Boli"/>
+        <a:font script="Deva" typeface="Mangal"/>
+        <a:font script="Telu" typeface="Gautami"/>
+        <a:font script="Taml" typeface="Latha"/>
+        <a:font script="Syrc" typeface="Estrangelo Edessa"/>
+        <a:font script="Orya" typeface="Kalinga"/>
+        <a:font script="Mlym" typeface="Kartika"/>
+        <a:font script="Laoo" typeface="DokChampa"/>
+        <a:font script="Sinh" typeface="Iskoola Pota"/>
+        <a:font script="Mong" typeface="Mongolian Baiti"/>
+        <a:font script="Viet" typeface="Arial"/>
+        <a:font script="Uigh" typeface="Microsoft Uighur"/>
+        <a:font script="Geor" typeface="Sylfaen"/>
+        <a:font script="Armn" typeface="Arial"/>
+        <a:font script="Bugi" typeface="Leelawadee UI"/>
+        <a:font script="Bopo" typeface="Microsoft JhengHei"/>
+        <a:font script="Java" typeface="Javanese Text"/>
+        <a:font script="Lisu" typeface="Segoe UI"/>
+        <a:font script="Mymr" typeface="Myanmar Text"/>
+        <a:font script="Nkoo" typeface="Ebrima"/>
+        <a:font script="Olck" typeface="Nirmala UI"/>
+        <a:font script="Osma" typeface="Ebrima"/>
+        <a:font script="Phag" typeface="Phagspa"/>
+        <a:font script="Syrn" typeface="Estrangelo Edessa"/>
+        <a:font script="Syrj" typeface="Estrangelo Edessa"/>
+        <a:font script="Syre" typeface="Estrangelo Edessa"/>
+        <a:font script="Sora" typeface="Nirmala UI"/>
+        <a:font script="Tale" typeface="Microsoft Tai Le"/>
+        <a:font script="Talu" typeface="Microsoft New Tai Lue"/>
+        <a:font script="Tfng" typeface="Ebrima"/>
+      </a:minorFont>
+    </a:fontScheme>
+    <a:fmtScheme name="Office">
+      <a:fillStyleLst>
+        <a:solidFill>
+          <a:schemeClr val="phClr"/>
+        </a:solidFill>
+        <a:gradFill rotWithShape="1">
+          <a:gsLst>
+            <a:gs pos="0">
+              <a:schemeClr val="phClr">
+                <a:lumMod val="110000"/>
+                <a:satMod val="105000"/>
+                <a:tint val="67000"/>
+              </a:schemeClr>
+            </a:gs>
+            <a:gs pos="50000">
+              <a:schemeClr val="phClr">
+                <a:lumMod val="105000"/>
+                <a:satMod val="103000"/>
+                <a:tint val="73000"/>
+              </a:schemeClr>
+            </a:gs>
+            <a:gs pos="100000">
+              <a:schemeClr val="phClr">
+                <a:lumMod val="105000"/>
+                <a:satMod val="109000"/>
+                <a:tint val="81000"/>
+              </a:schemeClr>
+            </a:gs>
+          </a:gsLst>
+          <a:lin ang="5400000" scaled="0"/>
+        </a:gradFill>
+        <a:gradFill rotWithShape="1">
+          <a:gsLst>
+            <a:gs pos="0">
+              <a:schemeClr val="phClr">
+                <a:satMod val="103000"/>
+                <a:lumMod val="102000"/>
+                <a:tint val="94000"/>
+              </a:schemeClr>
+            </a:gs>
+            <a:gs pos="50000">
+              <a:schemeClr val="phClr">
+                <a:satMod val="110000"/>
+                <a:lumMod val="100000"/>
+                <a:shade val="100000"/>
+              </a:schemeClr>
+            </a:gs>
+            <a:gs pos="100000">
+              <a:schemeClr val="phClr">
+                <a:lumMod val="99000"/>
+                <a:satMod val="120000"/>
+                <a:shade val="78000"/>
+              </a:schemeClr>
+            </a:gs>
+          </a:gsLst>
+          <a:lin ang="5400000" scaled="0"/>
+        </a:gradFill>
+      </a:fillStyleLst>
+      <a:lnStyleLst>
+        <a:ln w="6350" cap="flat" cmpd="sng" algn="ctr">
+          <a:solidFill>
+            <a:schemeClr val="phClr"/>
+          </a:solidFill>
+          <a:prstDash val="solid"/>
+          <a:miter lim="800000"/>
+        </a:ln>
+        <a:ln w="12700" cap="flat" cmpd="sng" algn="ctr">
+          <a:solidFill>
+            <a:schemeClr val="phClr"/>
+          </a:solidFill>
+          <a:prstDash val="solid"/>
+          <a:miter lim="800000"/>
+        </a:ln>
+        <a:ln w="19050" cap="flat" cmpd="sng" algn="ctr">
+          <a:solidFill>
+            <a:schemeClr val="phClr"/>
+          </a:solidFill>
+          <a:prstDash val="solid"/>
+          <a:miter lim="800000"/>
+        </a:ln>
+      </a:lnStyleLst>
+      <a:effectStyleLst>
+        <a:effectStyle>
+          <a:effectLst/>
+        </a:effectStyle>
+        <a:effectStyle>
+          <a:effectLst/>
+        </a:effectStyle>
+        <a:effectStyle>
+          <a:effectLst>
+            <a:outerShdw blurRad="57150" dist="19050" dir="5400000" algn="ctr" rotWithShape="0">
+              <a:srgbClr val="000000">
+                <a:alpha val="63000"/>
+              </a:srgbClr>
+            </a:outerShdw>
+          </a:effectLst>
+        </a:effectStyle>
+      </a:effectStyleLst>
+      <a:bgFillStyleLst>
+        <a:solidFill>
+          <a:schemeClr val="phClr"/>
+        </a:solidFill>
+        <a:solidFill>
+          <a:schemeClr val="phClr">
+            <a:tint val="95000"/>
+            <a:satMod val="170000"/>
+          </a:schemeClr>
+        </a:solidFill>
+        <a:gradFill rotWithShape="1">
+          <a:gsLst>
+            <a:gs pos="0">
+              <a:schemeClr val="phClr">
+                <a:tint val="93000"/>
+                <a:satMod val="150000"/>
+                <a:shade val="98000"/>
+                <a:lumMod val="102000"/>
+              </a:schemeClr>
+            </a:gs>
+            <a:gs pos="50000">
+              <a:schemeClr val="phClr">
+                <a:tint val="98000"/>
+                <a:satMod val="130000"/>
+                <a:shade val="90000"/>
+                <a:lumMod val="103000"/>
+              </a:schemeClr>
+            </a:gs>
+            <a:gs pos="100000">
+              <a:schemeClr val="phClr">
+                <a:shade val="63000"/>
+                <a:satMod val="120000"/>
+              </a:schemeClr>
+            </a:gs>
+          </a:gsLst>
+          <a:lin ang="5400000" scaled="0"/>
+        </a:gradFill>
+      </a:bgFillStyleLst>
+    </a:fmtScheme>
+  </a:themeElements>
+  <a:objectDefaults/>
+  <a:extraClrSchemeLst/>
+  <a:extLst>
+    <a:ext uri="{05A4C25C-085E-4340-85A3-A5531E510DB2}">
+      <thm15:themeFamily xmlns:thm15="http://schemas.microsoft.com/office/thememl/2012/main" name="Office Theme" id="{62F939B6-93AF-4DB8-9C6B-D6C7DFDC589F}" vid="{4A3C46E8-61CC-4603-A589-7422A47A8E4A}"/>
+    </a:ext>
+  </a:extLst>
+</a:theme>
 </file>
--- a/pptx/7-5-2023.pptx
+++ b/pptx/7-5-2023.pptx
@@ -5,7 +5,7 @@
     <p:sldMasterId id="2147483648" r:id="rId1"/>
   </p:sldMasterIdLst>
   <p:notesMasterIdLst>
-    <p:notesMasterId r:id="rId15"/>
+    <p:notesMasterId r:id="rId16"/>
   </p:notesMasterIdLst>
   <p:sldIdLst>
     <p:sldId id="256" r:id="rId2"/>
@@ -19,8 +19,9 @@
     <p:sldId id="270" r:id="rId10"/>
     <p:sldId id="271" r:id="rId11"/>
     <p:sldId id="273" r:id="rId12"/>
-    <p:sldId id="272" r:id="rId13"/>
-    <p:sldId id="269" r:id="rId14"/>
+    <p:sldId id="269" r:id="rId13"/>
+    <p:sldId id="274" r:id="rId14"/>
+    <p:sldId id="275" r:id="rId15"/>
   </p:sldIdLst>
   <p:sldSz cx="12192000" cy="6858000"/>
   <p:notesSz cx="6858000" cy="9144000"/>
@@ -209,7 +210,7 @@
           <a:p>
             <a:fld id="{647C973C-33AF-E046-9208-888D9001E06F}" type="datetimeFigureOut">
               <a:rPr lang="en-US" smtClean="0"/>
-              <a:t>7/5/23</a:t>
+              <a:t>7/7/23</a:t>
             </a:fld>
             <a:endParaRPr lang="en-US"/>
           </a:p>
@@ -707,7 +708,7 @@
           <a:p>
             <a:fld id="{C52CAB95-5C98-1643-B51E-C6079E60D12A}" type="datetimeFigureOut">
               <a:rPr lang="en-US" smtClean="0"/>
-              <a:t>7/5/23</a:t>
+              <a:t>7/7/23</a:t>
             </a:fld>
             <a:endParaRPr lang="en-US"/>
           </a:p>
@@ -905,7 +906,7 @@
           <a:p>
             <a:fld id="{C52CAB95-5C98-1643-B51E-C6079E60D12A}" type="datetimeFigureOut">
               <a:rPr lang="en-US" smtClean="0"/>
-              <a:t>7/5/23</a:t>
+              <a:t>7/7/23</a:t>
             </a:fld>
             <a:endParaRPr lang="en-US"/>
           </a:p>
@@ -1113,7 +1114,7 @@
           <a:p>
             <a:fld id="{C52CAB95-5C98-1643-B51E-C6079E60D12A}" type="datetimeFigureOut">
               <a:rPr lang="en-US" smtClean="0"/>
-              <a:t>7/5/23</a:t>
+              <a:t>7/7/23</a:t>
             </a:fld>
             <a:endParaRPr lang="en-US"/>
           </a:p>
@@ -1311,7 +1312,7 @@
           <a:p>
             <a:fld id="{C52CAB95-5C98-1643-B51E-C6079E60D12A}" type="datetimeFigureOut">
               <a:rPr lang="en-US" smtClean="0"/>
-              <a:t>7/5/23</a:t>
+              <a:t>7/7/23</a:t>
             </a:fld>
             <a:endParaRPr lang="en-US"/>
           </a:p>
@@ -1586,7 +1587,7 @@
           <a:p>
             <a:fld id="{C52CAB95-5C98-1643-B51E-C6079E60D12A}" type="datetimeFigureOut">
               <a:rPr lang="en-US" smtClean="0"/>
-              <a:t>7/5/23</a:t>
+              <a:t>7/7/23</a:t>
             </a:fld>
             <a:endParaRPr lang="en-US"/>
           </a:p>
@@ -1851,7 +1852,7 @@
           <a:p>
             <a:fld id="{C52CAB95-5C98-1643-B51E-C6079E60D12A}" type="datetimeFigureOut">
               <a:rPr lang="en-US" smtClean="0"/>
-              <a:t>7/5/23</a:t>
+              <a:t>7/7/23</a:t>
             </a:fld>
             <a:endParaRPr lang="en-US"/>
           </a:p>
@@ -2263,7 +2264,7 @@
           <a:p>
             <a:fld id="{C52CAB95-5C98-1643-B51E-C6079E60D12A}" type="datetimeFigureOut">
               <a:rPr lang="en-US" smtClean="0"/>
-              <a:t>7/5/23</a:t>
+              <a:t>7/7/23</a:t>
             </a:fld>
             <a:endParaRPr lang="en-US"/>
           </a:p>
@@ -2404,7 +2405,7 @@
           <a:p>
             <a:fld id="{C52CAB95-5C98-1643-B51E-C6079E60D12A}" type="datetimeFigureOut">
               <a:rPr lang="en-US" smtClean="0"/>
-              <a:t>7/5/23</a:t>
+              <a:t>7/7/23</a:t>
             </a:fld>
             <a:endParaRPr lang="en-US"/>
           </a:p>
@@ -2517,7 +2518,7 @@
           <a:p>
             <a:fld id="{C52CAB95-5C98-1643-B51E-C6079E60D12A}" type="datetimeFigureOut">
               <a:rPr lang="en-US" smtClean="0"/>
-              <a:t>7/5/23</a:t>
+              <a:t>7/7/23</a:t>
             </a:fld>
             <a:endParaRPr lang="en-US"/>
           </a:p>
@@ -2828,7 +2829,7 @@
           <a:p>
             <a:fld id="{C52CAB95-5C98-1643-B51E-C6079E60D12A}" type="datetimeFigureOut">
               <a:rPr lang="en-US" smtClean="0"/>
-              <a:t>7/5/23</a:t>
+              <a:t>7/7/23</a:t>
             </a:fld>
             <a:endParaRPr lang="en-US"/>
           </a:p>
@@ -3116,7 +3117,7 @@
           <a:p>
             <a:fld id="{C52CAB95-5C98-1643-B51E-C6079E60D12A}" type="datetimeFigureOut">
               <a:rPr lang="en-US" smtClean="0"/>
-              <a:t>7/5/23</a:t>
+              <a:t>7/7/23</a:t>
             </a:fld>
             <a:endParaRPr lang="en-US"/>
           </a:p>
@@ -3357,7 +3358,7 @@
           <a:p>
             <a:fld id="{C52CAB95-5C98-1643-B51E-C6079E60D12A}" type="datetimeFigureOut">
               <a:rPr lang="en-US" smtClean="0"/>
-              <a:t>7/5/23</a:t>
+              <a:t>7/7/23</a:t>
             </a:fld>
             <a:endParaRPr lang="en-US"/>
           </a:p>
@@ -4449,480 +4450,6 @@
           <a:chExt cx="0" cy="0"/>
         </a:xfrm>
       </p:grpSpPr>
-      <p:sp>
-        <p:nvSpPr>
-          <p:cNvPr id="2" name="Title 1">
-            <a:extLst>
-              <a:ext uri="{FF2B5EF4-FFF2-40B4-BE49-F238E27FC236}">
-                <a16:creationId xmlns:a16="http://schemas.microsoft.com/office/drawing/2014/main" id="{02ACD840-50E0-0C96-3CD6-518F49E92D5E}"/>
-              </a:ext>
-            </a:extLst>
-          </p:cNvPr>
-          <p:cNvSpPr>
-            <a:spLocks noGrp="1"/>
-          </p:cNvSpPr>
-          <p:nvPr>
-            <p:ph type="title"/>
-          </p:nvPr>
-        </p:nvSpPr>
-        <p:spPr/>
-        <p:txBody>
-          <a:bodyPr/>
-          <a:lstStyle/>
-          <a:p>
-            <a:r>
-              <a:rPr lang="en-US" dirty="0"/>
-              <a:t>Prompt</a:t>
-            </a:r>
-          </a:p>
-        </p:txBody>
-      </p:sp>
-      <p:sp>
-        <p:nvSpPr>
-          <p:cNvPr id="3" name="Content Placeholder 2">
-            <a:extLst>
-              <a:ext uri="{FF2B5EF4-FFF2-40B4-BE49-F238E27FC236}">
-                <a16:creationId xmlns:a16="http://schemas.microsoft.com/office/drawing/2014/main" id="{B079586A-F43C-2BDF-EF4C-039B822052BE}"/>
-              </a:ext>
-            </a:extLst>
-          </p:cNvPr>
-          <p:cNvSpPr>
-            <a:spLocks noGrp="1"/>
-          </p:cNvSpPr>
-          <p:nvPr>
-            <p:ph idx="1"/>
-          </p:nvPr>
-        </p:nvSpPr>
-        <p:spPr>
-          <a:xfrm>
-            <a:off x="566059" y="1720170"/>
-            <a:ext cx="5442857" cy="4351338"/>
-          </a:xfrm>
-        </p:spPr>
-        <p:txBody>
-          <a:bodyPr>
-            <a:normAutofit fontScale="70000" lnSpcReduction="20000"/>
-          </a:bodyPr>
-          <a:lstStyle/>
-          <a:p>
-            <a:pPr marL="0" indent="0">
-              <a:buNone/>
-            </a:pPr>
-            <a:r>
-              <a:rPr lang="en-US" sz="1600" dirty="0">
-                <a:latin typeface="Menlo" panose="020B0609030804020204" pitchFamily="49" charset="0"/>
-                <a:ea typeface="Menlo" panose="020B0609030804020204" pitchFamily="49" charset="0"/>
-                <a:cs typeface="Menlo" panose="020B0609030804020204" pitchFamily="49" charset="0"/>
-              </a:rPr>
-              <a:t>You are an expert chemist. Your task is to predict the next intermediate molecules in the electron transfer process given the reactants and reagents, several examples, and your experienced reaction prediction knowledge. There are some rules to follow.</a:t>
-            </a:r>
-          </a:p>
-          <a:p>
-            <a:pPr marL="0" indent="0">
-              <a:buNone/>
-            </a:pPr>
-            <a:r>
-              <a:rPr lang="en-US" sz="1600" dirty="0">
-                <a:latin typeface="Menlo" panose="020B0609030804020204" pitchFamily="49" charset="0"/>
-                <a:ea typeface="Menlo" panose="020B0609030804020204" pitchFamily="49" charset="0"/>
-                <a:cs typeface="Menlo" panose="020B0609030804020204" pitchFamily="49" charset="0"/>
-              </a:rPr>
-              <a:t>1. Strictly follow the given format, and only respond with an atom mapped SMILES string.</a:t>
-            </a:r>
-          </a:p>
-          <a:p>
-            <a:pPr marL="0" indent="0">
-              <a:buNone/>
-            </a:pPr>
-            <a:r>
-              <a:rPr lang="en-US" sz="1600" dirty="0">
-                <a:latin typeface="Menlo" panose="020B0609030804020204" pitchFamily="49" charset="0"/>
-                <a:ea typeface="Menlo" panose="020B0609030804020204" pitchFamily="49" charset="0"/>
-                <a:cs typeface="Menlo" panose="020B0609030804020204" pitchFamily="49" charset="0"/>
-              </a:rPr>
-              <a:t>2. Numbers immediately following : represent the atom mapping.</a:t>
-            </a:r>
-          </a:p>
-          <a:p>
-            <a:pPr marL="0" indent="0">
-              <a:buNone/>
-            </a:pPr>
-            <a:r>
-              <a:rPr lang="en-US" sz="1600" dirty="0">
-                <a:latin typeface="Menlo" panose="020B0609030804020204" pitchFamily="49" charset="0"/>
-                <a:ea typeface="Menlo" panose="020B0609030804020204" pitchFamily="49" charset="0"/>
-                <a:cs typeface="Menlo" panose="020B0609030804020204" pitchFamily="49" charset="0"/>
-              </a:rPr>
-              <a:t>3. A . is used to distinguish between multiple molecules in the SMILES strings.</a:t>
-            </a:r>
-          </a:p>
-          <a:p>
-            <a:pPr marL="0" indent="0">
-              <a:buNone/>
-            </a:pPr>
-            <a:r>
-              <a:rPr lang="en-US" sz="1600" dirty="0">
-                <a:latin typeface="Menlo" panose="020B0609030804020204" pitchFamily="49" charset="0"/>
-                <a:ea typeface="Menlo" panose="020B0609030804020204" pitchFamily="49" charset="0"/>
-                <a:cs typeface="Menlo" panose="020B0609030804020204" pitchFamily="49" charset="0"/>
-              </a:rPr>
-              <a:t>4. If no reagents exist, it is left blank.</a:t>
-            </a:r>
-          </a:p>
-          <a:p>
-            <a:pPr marL="0" indent="0">
-              <a:buNone/>
-            </a:pPr>
-            <a:r>
-              <a:rPr lang="en-US" sz="1600" dirty="0">
-                <a:latin typeface="Menlo" panose="020B0609030804020204" pitchFamily="49" charset="0"/>
-                <a:ea typeface="Menlo" panose="020B0609030804020204" pitchFamily="49" charset="0"/>
-                <a:cs typeface="Menlo" panose="020B0609030804020204" pitchFamily="49" charset="0"/>
-              </a:rPr>
-              <a:t>5. The resulting intermediates must be be chemically reasonable and valid.</a:t>
-            </a:r>
-          </a:p>
-          <a:p>
-            <a:pPr marL="0" indent="0">
-              <a:buNone/>
-            </a:pPr>
-            <a:endParaRPr lang="en-US" sz="1600" dirty="0">
-              <a:latin typeface="Menlo" panose="020B0609030804020204" pitchFamily="49" charset="0"/>
-              <a:ea typeface="Menlo" panose="020B0609030804020204" pitchFamily="49" charset="0"/>
-              <a:cs typeface="Menlo" panose="020B0609030804020204" pitchFamily="49" charset="0"/>
-            </a:endParaRPr>
-          </a:p>
-          <a:p>
-            <a:pPr marL="0" indent="0">
-              <a:buNone/>
-            </a:pPr>
-            <a:r>
-              <a:rPr lang="en-US" sz="1600" dirty="0">
-                <a:latin typeface="Menlo" panose="020B0609030804020204" pitchFamily="49" charset="0"/>
-                <a:ea typeface="Menlo" panose="020B0609030804020204" pitchFamily="49" charset="0"/>
-                <a:cs typeface="Menlo" panose="020B0609030804020204" pitchFamily="49" charset="0"/>
-              </a:rPr>
-              <a:t>Reactants: …</a:t>
-            </a:r>
-          </a:p>
-          <a:p>
-            <a:pPr marL="0" indent="0">
-              <a:buNone/>
-            </a:pPr>
-            <a:r>
-              <a:rPr lang="en-US" sz="1600" dirty="0">
-                <a:latin typeface="Menlo" panose="020B0609030804020204" pitchFamily="49" charset="0"/>
-                <a:ea typeface="Menlo" panose="020B0609030804020204" pitchFamily="49" charset="0"/>
-                <a:cs typeface="Menlo" panose="020B0609030804020204" pitchFamily="49" charset="0"/>
-              </a:rPr>
-              <a:t>Reagents: …</a:t>
-            </a:r>
-          </a:p>
-          <a:p>
-            <a:pPr marL="0" indent="0">
-              <a:buNone/>
-            </a:pPr>
-            <a:r>
-              <a:rPr lang="en-US" sz="1600" dirty="0">
-                <a:latin typeface="Menlo" panose="020B0609030804020204" pitchFamily="49" charset="0"/>
-                <a:ea typeface="Menlo" panose="020B0609030804020204" pitchFamily="49" charset="0"/>
-                <a:cs typeface="Menlo" panose="020B0609030804020204" pitchFamily="49" charset="0"/>
-              </a:rPr>
-              <a:t>Intermediate: …</a:t>
-            </a:r>
-          </a:p>
-          <a:p>
-            <a:pPr marL="0" indent="0">
-              <a:buNone/>
-            </a:pPr>
-            <a:r>
-              <a:rPr lang="en-US" sz="1600" dirty="0">
-                <a:latin typeface="Menlo" panose="020B0609030804020204" pitchFamily="49" charset="0"/>
-                <a:ea typeface="Menlo" panose="020B0609030804020204" pitchFamily="49" charset="0"/>
-                <a:cs typeface="Menlo" panose="020B0609030804020204" pitchFamily="49" charset="0"/>
-              </a:rPr>
-              <a:t>…</a:t>
-            </a:r>
-          </a:p>
-          <a:p>
-            <a:pPr marL="0" indent="0">
-              <a:buNone/>
-            </a:pPr>
-            <a:r>
-              <a:rPr lang="en-US" sz="1600" dirty="0">
-                <a:latin typeface="Menlo" panose="020B0609030804020204" pitchFamily="49" charset="0"/>
-                <a:ea typeface="Menlo" panose="020B0609030804020204" pitchFamily="49" charset="0"/>
-                <a:cs typeface="Menlo" panose="020B0609030804020204" pitchFamily="49" charset="0"/>
-              </a:rPr>
-              <a:t>Reactants: …</a:t>
-            </a:r>
-          </a:p>
-          <a:p>
-            <a:pPr marL="0" indent="0">
-              <a:buNone/>
-            </a:pPr>
-            <a:r>
-              <a:rPr lang="en-US" sz="1600" dirty="0">
-                <a:latin typeface="Menlo" panose="020B0609030804020204" pitchFamily="49" charset="0"/>
-                <a:ea typeface="Menlo" panose="020B0609030804020204" pitchFamily="49" charset="0"/>
-                <a:cs typeface="Menlo" panose="020B0609030804020204" pitchFamily="49" charset="0"/>
-              </a:rPr>
-              <a:t>Reagents: …</a:t>
-            </a:r>
-          </a:p>
-          <a:p>
-            <a:pPr marL="0" indent="0">
-              <a:buNone/>
-            </a:pPr>
-            <a:r>
-              <a:rPr lang="en-US" sz="1600" dirty="0">
-                <a:latin typeface="Menlo" panose="020B0609030804020204" pitchFamily="49" charset="0"/>
-                <a:ea typeface="Menlo" panose="020B0609030804020204" pitchFamily="49" charset="0"/>
-                <a:cs typeface="Menlo" panose="020B0609030804020204" pitchFamily="49" charset="0"/>
-              </a:rPr>
-              <a:t>Intermediate:</a:t>
-            </a:r>
-          </a:p>
-        </p:txBody>
-      </p:sp>
-      <p:sp>
-        <p:nvSpPr>
-          <p:cNvPr id="5" name="TextBox 4">
-            <a:extLst>
-              <a:ext uri="{FF2B5EF4-FFF2-40B4-BE49-F238E27FC236}">
-                <a16:creationId xmlns:a16="http://schemas.microsoft.com/office/drawing/2014/main" id="{5CC31479-E6EA-6626-07C4-C084049483D6}"/>
-              </a:ext>
-            </a:extLst>
-          </p:cNvPr>
-          <p:cNvSpPr txBox="1"/>
-          <p:nvPr/>
-        </p:nvSpPr>
-        <p:spPr>
-          <a:xfrm>
-            <a:off x="6183085" y="1720170"/>
-            <a:ext cx="5660571" cy="4154984"/>
-          </a:xfrm>
-          <a:prstGeom prst="rect">
-            <a:avLst/>
-          </a:prstGeom>
-          <a:noFill/>
-        </p:spPr>
-        <p:txBody>
-          <a:bodyPr wrap="square">
-            <a:spAutoFit/>
-          </a:bodyPr>
-          <a:lstStyle/>
-          <a:p>
-            <a:pPr marL="0" indent="0">
-              <a:buNone/>
-            </a:pPr>
-            <a:r>
-              <a:rPr lang="en-US" sz="1200" dirty="0">
-                <a:latin typeface="Menlo" panose="020B0609030804020204" pitchFamily="49" charset="0"/>
-                <a:ea typeface="Menlo" panose="020B0609030804020204" pitchFamily="49" charset="0"/>
-                <a:cs typeface="Menlo" panose="020B0609030804020204" pitchFamily="49" charset="0"/>
-              </a:rPr>
-              <a:t>You are an expert chemist. Your task is to predict the next intermediate molecules in the electron transfer process given the reactants and reagents, several examples, and your experienced reaction prediction knowledge. There are some rules to follow.</a:t>
-            </a:r>
-          </a:p>
-          <a:p>
-            <a:pPr marL="0" indent="0">
-              <a:buNone/>
-            </a:pPr>
-            <a:r>
-              <a:rPr lang="en-US" sz="1200" dirty="0">
-                <a:latin typeface="Menlo" panose="020B0609030804020204" pitchFamily="49" charset="0"/>
-                <a:ea typeface="Menlo" panose="020B0609030804020204" pitchFamily="49" charset="0"/>
-                <a:cs typeface="Menlo" panose="020B0609030804020204" pitchFamily="49" charset="0"/>
-              </a:rPr>
-              <a:t>1. Strictly follow the given format, and only respond with an atom mapped SMILES string.</a:t>
-            </a:r>
-          </a:p>
-          <a:p>
-            <a:pPr marL="0" indent="0">
-              <a:buNone/>
-            </a:pPr>
-            <a:r>
-              <a:rPr lang="en-US" sz="1200" dirty="0">
-                <a:latin typeface="Menlo" panose="020B0609030804020204" pitchFamily="49" charset="0"/>
-                <a:ea typeface="Menlo" panose="020B0609030804020204" pitchFamily="49" charset="0"/>
-                <a:cs typeface="Menlo" panose="020B0609030804020204" pitchFamily="49" charset="0"/>
-              </a:rPr>
-              <a:t>2. Numbers immediately following : represent the atom mapping.</a:t>
-            </a:r>
-          </a:p>
-          <a:p>
-            <a:pPr marL="0" indent="0">
-              <a:buNone/>
-            </a:pPr>
-            <a:r>
-              <a:rPr lang="en-US" sz="1200" dirty="0">
-                <a:latin typeface="Menlo" panose="020B0609030804020204" pitchFamily="49" charset="0"/>
-                <a:ea typeface="Menlo" panose="020B0609030804020204" pitchFamily="49" charset="0"/>
-                <a:cs typeface="Menlo" panose="020B0609030804020204" pitchFamily="49" charset="0"/>
-              </a:rPr>
-              <a:t>3. A . is used to distinguish between multiple molecules in the SMILES strings.</a:t>
-            </a:r>
-          </a:p>
-          <a:p>
-            <a:pPr marL="0" indent="0">
-              <a:buNone/>
-            </a:pPr>
-            <a:r>
-              <a:rPr lang="en-US" sz="1200" dirty="0">
-                <a:latin typeface="Menlo" panose="020B0609030804020204" pitchFamily="49" charset="0"/>
-                <a:ea typeface="Menlo" panose="020B0609030804020204" pitchFamily="49" charset="0"/>
-                <a:cs typeface="Menlo" panose="020B0609030804020204" pitchFamily="49" charset="0"/>
-              </a:rPr>
-              <a:t>4. If no reagents exist, it is left blank.</a:t>
-            </a:r>
-          </a:p>
-          <a:p>
-            <a:pPr marL="0" indent="0">
-              <a:buNone/>
-            </a:pPr>
-            <a:r>
-              <a:rPr lang="en-US" sz="1200" dirty="0">
-                <a:latin typeface="Menlo" panose="020B0609030804020204" pitchFamily="49" charset="0"/>
-                <a:ea typeface="Menlo" panose="020B0609030804020204" pitchFamily="49" charset="0"/>
-                <a:cs typeface="Menlo" panose="020B0609030804020204" pitchFamily="49" charset="0"/>
-              </a:rPr>
-              <a:t>5. The resulting intermediates must be be chemically reasonable and valid.</a:t>
-            </a:r>
-          </a:p>
-          <a:p>
-            <a:pPr marL="0" indent="0">
-              <a:buNone/>
-            </a:pPr>
-            <a:endParaRPr lang="en-US" sz="1200" dirty="0">
-              <a:latin typeface="Menlo" panose="020B0609030804020204" pitchFamily="49" charset="0"/>
-              <a:ea typeface="Menlo" panose="020B0609030804020204" pitchFamily="49" charset="0"/>
-              <a:cs typeface="Menlo" panose="020B0609030804020204" pitchFamily="49" charset="0"/>
-            </a:endParaRPr>
-          </a:p>
-          <a:p>
-            <a:pPr marL="0" indent="0">
-              <a:buNone/>
-            </a:pPr>
-            <a:r>
-              <a:rPr lang="en-US" sz="1200" dirty="0">
-                <a:latin typeface="Menlo" panose="020B0609030804020204" pitchFamily="49" charset="0"/>
-                <a:ea typeface="Menlo" panose="020B0609030804020204" pitchFamily="49" charset="0"/>
-                <a:cs typeface="Menlo" panose="020B0609030804020204" pitchFamily="49" charset="0"/>
-              </a:rPr>
-              <a:t>Reactants: …</a:t>
-            </a:r>
-          </a:p>
-          <a:p>
-            <a:pPr marL="0" indent="0">
-              <a:buNone/>
-            </a:pPr>
-            <a:r>
-              <a:rPr lang="en-US" sz="1200" dirty="0">
-                <a:latin typeface="Menlo" panose="020B0609030804020204" pitchFamily="49" charset="0"/>
-                <a:ea typeface="Menlo" panose="020B0609030804020204" pitchFamily="49" charset="0"/>
-                <a:cs typeface="Menlo" panose="020B0609030804020204" pitchFamily="49" charset="0"/>
-              </a:rPr>
-              <a:t>Reagents: …</a:t>
-            </a:r>
-          </a:p>
-          <a:p>
-            <a:pPr marL="0" indent="0">
-              <a:buNone/>
-            </a:pPr>
-            <a:r>
-              <a:rPr lang="en-US" sz="1200" dirty="0">
-                <a:latin typeface="Menlo" panose="020B0609030804020204" pitchFamily="49" charset="0"/>
-                <a:ea typeface="Menlo" panose="020B0609030804020204" pitchFamily="49" charset="0"/>
-                <a:cs typeface="Menlo" panose="020B0609030804020204" pitchFamily="49" charset="0"/>
-              </a:rPr>
-              <a:t>Intermediate: …</a:t>
-            </a:r>
-          </a:p>
-          <a:p>
-            <a:pPr marL="0" indent="0">
-              <a:buNone/>
-            </a:pPr>
-            <a:r>
-              <a:rPr lang="en-US" sz="1200" dirty="0">
-                <a:latin typeface="Menlo" panose="020B0609030804020204" pitchFamily="49" charset="0"/>
-                <a:ea typeface="Menlo" panose="020B0609030804020204" pitchFamily="49" charset="0"/>
-                <a:cs typeface="Menlo" panose="020B0609030804020204" pitchFamily="49" charset="0"/>
-              </a:rPr>
-              <a:t>…</a:t>
-            </a:r>
-          </a:p>
-          <a:p>
-            <a:pPr marL="0" indent="0">
-              <a:buNone/>
-            </a:pPr>
-            <a:r>
-              <a:rPr lang="en-US" sz="1200" dirty="0">
-                <a:latin typeface="Menlo" panose="020B0609030804020204" pitchFamily="49" charset="0"/>
-                <a:ea typeface="Menlo" panose="020B0609030804020204" pitchFamily="49" charset="0"/>
-                <a:cs typeface="Menlo" panose="020B0609030804020204" pitchFamily="49" charset="0"/>
-              </a:rPr>
-              <a:t>Reactants: …</a:t>
-            </a:r>
-          </a:p>
-          <a:p>
-            <a:pPr marL="0" indent="0">
-              <a:buNone/>
-            </a:pPr>
-            <a:r>
-              <a:rPr lang="en-US" sz="1200" dirty="0">
-                <a:latin typeface="Menlo" panose="020B0609030804020204" pitchFamily="49" charset="0"/>
-                <a:ea typeface="Menlo" panose="020B0609030804020204" pitchFamily="49" charset="0"/>
-                <a:cs typeface="Menlo" panose="020B0609030804020204" pitchFamily="49" charset="0"/>
-              </a:rPr>
-              <a:t>Reagents: …</a:t>
-            </a:r>
-          </a:p>
-          <a:p>
-            <a:pPr marL="0" indent="0">
-              <a:buNone/>
-            </a:pPr>
-            <a:r>
-              <a:rPr lang="en-US" sz="1200" dirty="0">
-                <a:latin typeface="Menlo" panose="020B0609030804020204" pitchFamily="49" charset="0"/>
-                <a:ea typeface="Menlo" panose="020B0609030804020204" pitchFamily="49" charset="0"/>
-                <a:cs typeface="Menlo" panose="020B0609030804020204" pitchFamily="49" charset="0"/>
-              </a:rPr>
-              <a:t>Intermediate:</a:t>
-            </a:r>
-          </a:p>
-        </p:txBody>
-      </p:sp>
-    </p:spTree>
-    <p:extLst>
-      <p:ext uri="{BB962C8B-B14F-4D97-AF65-F5344CB8AC3E}">
-        <p14:creationId xmlns:p14="http://schemas.microsoft.com/office/powerpoint/2010/main" val="4160100938"/>
-      </p:ext>
-    </p:extLst>
-  </p:cSld>
-  <p:clrMapOvr>
-    <a:masterClrMapping/>
-  </p:clrMapOvr>
-</p:sld>
-</file>
-
-<file path=ppt/slides/slide13.xml><?xml version="1.0" encoding="utf-8"?>
-<p:sld xmlns:a="http://schemas.openxmlformats.org/drawingml/2006/main" xmlns:r="http://schemas.openxmlformats.org/officeDocument/2006/relationships" xmlns:p="http://schemas.openxmlformats.org/presentationml/2006/main">
-  <p:cSld>
-    <p:spTree>
-      <p:nvGrpSpPr>
-        <p:cNvPr id="1" name=""/>
-        <p:cNvGrpSpPr/>
-        <p:nvPr/>
-      </p:nvGrpSpPr>
-      <p:grpSpPr>
-        <a:xfrm>
-          <a:off x="0" y="0"/>
-          <a:ext cx="0" cy="0"/>
-          <a:chOff x="0" y="0"/>
-          <a:chExt cx="0" cy="0"/>
-        </a:xfrm>
-      </p:grpSpPr>
       <p:graphicFrame>
         <p:nvGraphicFramePr>
           <p:cNvPr id="4" name="Content Placeholder 3">
@@ -4939,7 +4466,7 @@
             <p:ph idx="1"/>
             <p:extLst>
               <p:ext uri="{D42A27DB-BD31-4B8C-83A1-F6EECF244321}">
-                <p14:modId xmlns:p14="http://schemas.microsoft.com/office/powerpoint/2010/main" val="3119957295"/>
+                <p14:modId xmlns:p14="http://schemas.microsoft.com/office/powerpoint/2010/main" val="4112669390"/>
               </p:ext>
             </p:extLst>
           </p:nvPr>
@@ -5051,7 +4578,7 @@
                     <a:p>
                       <a:r>
                         <a:rPr lang="en-US" dirty="0"/>
-                        <a:t>Few Shot (k = 5) w</a:t>
+                        <a:t>Few Shot (k = 5) </a:t>
                       </a:r>
                     </a:p>
                   </a:txBody>
@@ -5110,7 +4637,7 @@
                     <a:p>
                       <a:r>
                         <a:rPr lang="en-US" dirty="0"/>
-                        <a:t>Few Shot (k = 5) w</a:t>
+                        <a:t>Few Shot (k = 5) </a:t>
                       </a:r>
                     </a:p>
                   </a:txBody>
@@ -5287,7 +4814,7 @@
                     <a:p>
                       <a:r>
                         <a:rPr lang="en-US" dirty="0"/>
-                        <a:t>Zero-Shot w/ SC (n = 20)</a:t>
+                        <a:t>Zero-Shot </a:t>
                       </a:r>
                     </a:p>
                   </a:txBody>
@@ -5311,7 +4838,10 @@
                     <a:bodyPr/>
                     <a:lstStyle/>
                     <a:p>
-                      <a:endParaRPr lang="en-US" dirty="0"/>
+                      <a:r>
+                        <a:rPr lang="en-US" dirty="0"/>
+                        <a:t>1</a:t>
+                      </a:r>
                     </a:p>
                   </a:txBody>
                   <a:tcPr/>
@@ -5321,7 +4851,10 @@
                     <a:bodyPr/>
                     <a:lstStyle/>
                     <a:p>
-                      <a:endParaRPr lang="en-US" dirty="0"/>
+                      <a:r>
+                        <a:rPr lang="en-US" dirty="0"/>
+                        <a:t>4</a:t>
+                      </a:r>
                     </a:p>
                   </a:txBody>
                   <a:tcPr/>
@@ -5340,6 +4873,191 @@
     <p:extLst>
       <p:ext uri="{BB962C8B-B14F-4D97-AF65-F5344CB8AC3E}">
         <p14:creationId xmlns:p14="http://schemas.microsoft.com/office/powerpoint/2010/main" val="560802039"/>
+      </p:ext>
+    </p:extLst>
+  </p:cSld>
+  <p:clrMapOvr>
+    <a:masterClrMapping/>
+  </p:clrMapOvr>
+</p:sld>
+</file>
+
+<file path=ppt/slides/slide13.xml><?xml version="1.0" encoding="utf-8"?>
+<p:sld xmlns:a="http://schemas.openxmlformats.org/drawingml/2006/main" xmlns:r="http://schemas.openxmlformats.org/officeDocument/2006/relationships" xmlns:p="http://schemas.openxmlformats.org/presentationml/2006/main">
+  <p:cSld>
+    <p:spTree>
+      <p:nvGrpSpPr>
+        <p:cNvPr id="1" name=""/>
+        <p:cNvGrpSpPr/>
+        <p:nvPr/>
+      </p:nvGrpSpPr>
+      <p:grpSpPr>
+        <a:xfrm>
+          <a:off x="0" y="0"/>
+          <a:ext cx="0" cy="0"/>
+          <a:chOff x="0" y="0"/>
+          <a:chExt cx="0" cy="0"/>
+        </a:xfrm>
+      </p:grpSpPr>
+      <p:sp>
+        <p:nvSpPr>
+          <p:cNvPr id="2" name="Title 1">
+            <a:extLst>
+              <a:ext uri="{FF2B5EF4-FFF2-40B4-BE49-F238E27FC236}">
+                <a16:creationId xmlns:a16="http://schemas.microsoft.com/office/drawing/2014/main" id="{FFD8113C-A277-1A9D-7129-1E8790AC9EAB}"/>
+              </a:ext>
+            </a:extLst>
+          </p:cNvPr>
+          <p:cNvSpPr>
+            <a:spLocks noGrp="1"/>
+          </p:cNvSpPr>
+          <p:nvPr>
+            <p:ph type="title"/>
+          </p:nvPr>
+        </p:nvSpPr>
+        <p:spPr/>
+        <p:txBody>
+          <a:bodyPr/>
+          <a:lstStyle/>
+          <a:p>
+            <a:endParaRPr lang="en-US"/>
+          </a:p>
+        </p:txBody>
+      </p:sp>
+      <p:sp>
+        <p:nvSpPr>
+          <p:cNvPr id="3" name="Content Placeholder 2">
+            <a:extLst>
+              <a:ext uri="{FF2B5EF4-FFF2-40B4-BE49-F238E27FC236}">
+                <a16:creationId xmlns:a16="http://schemas.microsoft.com/office/drawing/2014/main" id="{538352B0-8B74-8B9B-AA20-77CBCD165729}"/>
+              </a:ext>
+            </a:extLst>
+          </p:cNvPr>
+          <p:cNvSpPr>
+            <a:spLocks noGrp="1"/>
+          </p:cNvSpPr>
+          <p:nvPr>
+            <p:ph idx="1"/>
+          </p:nvPr>
+        </p:nvSpPr>
+        <p:spPr/>
+        <p:txBody>
+          <a:bodyPr/>
+          <a:lstStyle/>
+          <a:p>
+            <a:r>
+              <a:rPr lang="en-US" dirty="0"/>
+              <a:t>First step is a rotation in 3D?</a:t>
+            </a:r>
+          </a:p>
+          <a:p>
+            <a:pPr lvl="1"/>
+            <a:r>
+              <a:rPr lang="en-US" dirty="0"/>
+              <a:t>Print some results</a:t>
+            </a:r>
+          </a:p>
+          <a:p>
+            <a:r>
+              <a:rPr lang="en-US" dirty="0"/>
+              <a:t>Skip duplicate intermediate</a:t>
+            </a:r>
+          </a:p>
+          <a:p>
+            <a:r>
+              <a:rPr lang="en-US" dirty="0"/>
+              <a:t>Try with listing intermediates -&gt; products in ICL</a:t>
+            </a:r>
+          </a:p>
+          <a:p>
+            <a:endParaRPr lang="en-US" dirty="0"/>
+          </a:p>
+        </p:txBody>
+      </p:sp>
+    </p:spTree>
+    <p:extLst>
+      <p:ext uri="{BB962C8B-B14F-4D97-AF65-F5344CB8AC3E}">
+        <p14:creationId xmlns:p14="http://schemas.microsoft.com/office/powerpoint/2010/main" val="2286441365"/>
+      </p:ext>
+    </p:extLst>
+  </p:cSld>
+  <p:clrMapOvr>
+    <a:masterClrMapping/>
+  </p:clrMapOvr>
+</p:sld>
+</file>
+
+<file path=ppt/slides/slide14.xml><?xml version="1.0" encoding="utf-8"?>
+<p:sld xmlns:a="http://schemas.openxmlformats.org/drawingml/2006/main" xmlns:r="http://schemas.openxmlformats.org/officeDocument/2006/relationships" xmlns:p="http://schemas.openxmlformats.org/presentationml/2006/main">
+  <p:cSld>
+    <p:spTree>
+      <p:nvGrpSpPr>
+        <p:cNvPr id="1" name=""/>
+        <p:cNvGrpSpPr/>
+        <p:nvPr/>
+      </p:nvGrpSpPr>
+      <p:grpSpPr>
+        <a:xfrm>
+          <a:off x="0" y="0"/>
+          <a:ext cx="0" cy="0"/>
+          <a:chOff x="0" y="0"/>
+          <a:chExt cx="0" cy="0"/>
+        </a:xfrm>
+      </p:grpSpPr>
+      <p:sp>
+        <p:nvSpPr>
+          <p:cNvPr id="2" name="Title 1">
+            <a:extLst>
+              <a:ext uri="{FF2B5EF4-FFF2-40B4-BE49-F238E27FC236}">
+                <a16:creationId xmlns:a16="http://schemas.microsoft.com/office/drawing/2014/main" id="{13129036-7E71-CDBC-5A5A-48ED4D9D3E99}"/>
+              </a:ext>
+            </a:extLst>
+          </p:cNvPr>
+          <p:cNvSpPr>
+            <a:spLocks noGrp="1"/>
+          </p:cNvSpPr>
+          <p:nvPr>
+            <p:ph type="title"/>
+          </p:nvPr>
+        </p:nvSpPr>
+        <p:spPr/>
+        <p:txBody>
+          <a:bodyPr/>
+          <a:lstStyle/>
+          <a:p>
+            <a:endParaRPr lang="en-US"/>
+          </a:p>
+        </p:txBody>
+      </p:sp>
+      <p:sp>
+        <p:nvSpPr>
+          <p:cNvPr id="3" name="Content Placeholder 2">
+            <a:extLst>
+              <a:ext uri="{FF2B5EF4-FFF2-40B4-BE49-F238E27FC236}">
+                <a16:creationId xmlns:a16="http://schemas.microsoft.com/office/drawing/2014/main" id="{B341857D-7D25-2B1C-21E9-72D7FF5B0C80}"/>
+              </a:ext>
+            </a:extLst>
+          </p:cNvPr>
+          <p:cNvSpPr>
+            <a:spLocks noGrp="1"/>
+          </p:cNvSpPr>
+          <p:nvPr>
+            <p:ph idx="1"/>
+          </p:nvPr>
+        </p:nvSpPr>
+        <p:spPr/>
+        <p:txBody>
+          <a:bodyPr/>
+          <a:lstStyle/>
+          <a:p>
+            <a:endParaRPr lang="en-US"/>
+          </a:p>
+        </p:txBody>
+      </p:sp>
+    </p:spTree>
+    <p:extLst>
+      <p:ext uri="{BB962C8B-B14F-4D97-AF65-F5344CB8AC3E}">
+        <p14:creationId xmlns:p14="http://schemas.microsoft.com/office/powerpoint/2010/main" val="2984741461"/>
       </p:ext>
     </p:extLst>
   </p:cSld>
@@ -6173,14 +5891,14 @@
             <p:ph idx="1"/>
             <p:extLst>
               <p:ext uri="{D42A27DB-BD31-4B8C-83A1-F6EECF244321}">
-                <p14:modId xmlns:p14="http://schemas.microsoft.com/office/powerpoint/2010/main" val="2290798791"/>
+                <p14:modId xmlns:p14="http://schemas.microsoft.com/office/powerpoint/2010/main" val="509109324"/>
               </p:ext>
             </p:extLst>
           </p:nvPr>
         </p:nvGraphicFramePr>
         <p:xfrm>
           <a:off x="838200" y="543362"/>
-          <a:ext cx="8276386" cy="4459560"/>
+          <a:ext cx="8276386" cy="4538475"/>
         </p:xfrm>
         <a:graphic>
           <a:graphicData uri="http://schemas.openxmlformats.org/drawingml/2006/table">
@@ -6277,7 +5995,7 @@
                   </a:ext>
                 </a:extLst>
               </a:tr>
-              <a:tr h="1114890">
+              <a:tr h="1193805">
                 <a:tc>
                   <a:txBody>
                     <a:bodyPr/>
